--- a/docs/презентация.pptx
+++ b/docs/презентация.pptx
@@ -5,25 +5,28 @@
     <p:sldMasterId id="2147483648" r:id="rId1"/>
   </p:sldMasterIdLst>
   <p:notesMasterIdLst>
-    <p:notesMasterId r:id="rId18"/>
+    <p:notesMasterId r:id="rId21"/>
   </p:notesMasterIdLst>
   <p:sldIdLst>
     <p:sldId id="256" r:id="rId2"/>
     <p:sldId id="257" r:id="rId3"/>
     <p:sldId id="259" r:id="rId4"/>
-    <p:sldId id="267" r:id="rId5"/>
-    <p:sldId id="260" r:id="rId6"/>
-    <p:sldId id="262" r:id="rId7"/>
-    <p:sldId id="269" r:id="rId8"/>
-    <p:sldId id="270" r:id="rId9"/>
-    <p:sldId id="268" r:id="rId10"/>
-    <p:sldId id="271" r:id="rId11"/>
-    <p:sldId id="272" r:id="rId12"/>
-    <p:sldId id="273" r:id="rId13"/>
-    <p:sldId id="265" r:id="rId14"/>
-    <p:sldId id="263" r:id="rId15"/>
-    <p:sldId id="266" r:id="rId16"/>
-    <p:sldId id="264" r:id="rId17"/>
+    <p:sldId id="274" r:id="rId5"/>
+    <p:sldId id="275" r:id="rId6"/>
+    <p:sldId id="276" r:id="rId7"/>
+    <p:sldId id="260" r:id="rId8"/>
+    <p:sldId id="277" r:id="rId9"/>
+    <p:sldId id="262" r:id="rId10"/>
+    <p:sldId id="269" r:id="rId11"/>
+    <p:sldId id="270" r:id="rId12"/>
+    <p:sldId id="268" r:id="rId13"/>
+    <p:sldId id="271" r:id="rId14"/>
+    <p:sldId id="272" r:id="rId15"/>
+    <p:sldId id="273" r:id="rId16"/>
+    <p:sldId id="265" r:id="rId17"/>
+    <p:sldId id="263" r:id="rId18"/>
+    <p:sldId id="266" r:id="rId19"/>
+    <p:sldId id="264" r:id="rId20"/>
   </p:sldIdLst>
   <p:sldSz cx="9144000" cy="6858000" type="screen4x3"/>
   <p:notesSz cx="6858000" cy="9144000"/>
@@ -207,7 +210,7 @@
           <a:p>
             <a:fld id="{5147EE4E-4CDB-46A2-84A3-9661C8B6E880}" type="datetimeFigureOut">
               <a:rPr lang="ru-RU" smtClean="0"/>
-              <a:t>28.05.2013</a:t>
+              <a:t>31.05.2013</a:t>
             </a:fld>
             <a:endParaRPr lang="ru-RU"/>
           </a:p>
@@ -656,7 +659,7 @@
           <a:p>
             <a:fld id="{C9A378A9-6FB2-4D15-AB33-989ECC79F7CE}" type="datetime1">
               <a:rPr lang="ru-RU" smtClean="0"/>
-              <a:t>28.05.2013</a:t>
+              <a:t>31.05.2013</a:t>
             </a:fld>
             <a:endParaRPr lang="ru-RU"/>
           </a:p>
@@ -822,7 +825,7 @@
           <a:p>
             <a:fld id="{5E5A4339-43C0-4C87-89C0-7B7A3544A928}" type="datetime1">
               <a:rPr lang="ru-RU" smtClean="0"/>
-              <a:t>28.05.2013</a:t>
+              <a:t>31.05.2013</a:t>
             </a:fld>
             <a:endParaRPr lang="ru-RU"/>
           </a:p>
@@ -998,7 +1001,7 @@
           <a:p>
             <a:fld id="{E9961574-F642-4FFD-8B5D-0AB4324610EA}" type="datetime1">
               <a:rPr lang="ru-RU" smtClean="0"/>
-              <a:t>28.05.2013</a:t>
+              <a:t>31.05.2013</a:t>
             </a:fld>
             <a:endParaRPr lang="ru-RU"/>
           </a:p>
@@ -1164,7 +1167,7 @@
           <a:p>
             <a:fld id="{77A75619-526A-4DAD-A4AD-2B42950C32C3}" type="datetime1">
               <a:rPr lang="ru-RU" smtClean="0"/>
-              <a:t>28.05.2013</a:t>
+              <a:t>31.05.2013</a:t>
             </a:fld>
             <a:endParaRPr lang="ru-RU"/>
           </a:p>
@@ -1406,7 +1409,7 @@
           <a:p>
             <a:fld id="{72DE00A9-D52A-4121-8E24-6065BFFF8591}" type="datetime1">
               <a:rPr lang="ru-RU" smtClean="0"/>
-              <a:t>28.05.2013</a:t>
+              <a:t>31.05.2013</a:t>
             </a:fld>
             <a:endParaRPr lang="ru-RU"/>
           </a:p>
@@ -1690,7 +1693,7 @@
           <a:p>
             <a:fld id="{A9A95740-E557-4888-930F-F15534CDCD51}" type="datetime1">
               <a:rPr lang="ru-RU" smtClean="0"/>
-              <a:t>28.05.2013</a:t>
+              <a:t>31.05.2013</a:t>
             </a:fld>
             <a:endParaRPr lang="ru-RU"/>
           </a:p>
@@ -2108,7 +2111,7 @@
           <a:p>
             <a:fld id="{A51CD8AC-EDEC-4099-8332-01FB3B584B74}" type="datetime1">
               <a:rPr lang="ru-RU" smtClean="0"/>
-              <a:t>28.05.2013</a:t>
+              <a:t>31.05.2013</a:t>
             </a:fld>
             <a:endParaRPr lang="ru-RU"/>
           </a:p>
@@ -2222,7 +2225,7 @@
           <a:p>
             <a:fld id="{7A090E70-BC71-4B36-8DBF-4806C935738C}" type="datetime1">
               <a:rPr lang="ru-RU" smtClean="0"/>
-              <a:t>28.05.2013</a:t>
+              <a:t>31.05.2013</a:t>
             </a:fld>
             <a:endParaRPr lang="ru-RU"/>
           </a:p>
@@ -2313,7 +2316,7 @@
           <a:p>
             <a:fld id="{3A62E0C7-607D-4306-ACD7-AD130A96A872}" type="datetime1">
               <a:rPr lang="ru-RU" smtClean="0"/>
-              <a:t>28.05.2013</a:t>
+              <a:t>31.05.2013</a:t>
             </a:fld>
             <a:endParaRPr lang="ru-RU"/>
           </a:p>
@@ -2586,7 +2589,7 @@
           <a:p>
             <a:fld id="{DCDC1EE1-2EA7-49C6-A3FF-D81C780E50D5}" type="datetime1">
               <a:rPr lang="ru-RU" smtClean="0"/>
-              <a:t>28.05.2013</a:t>
+              <a:t>31.05.2013</a:t>
             </a:fld>
             <a:endParaRPr lang="ru-RU"/>
           </a:p>
@@ -2835,7 +2838,7 @@
           <a:p>
             <a:fld id="{ECF60B0F-A8E6-4C11-AFCC-B4FB0BA09529}" type="datetime1">
               <a:rPr lang="ru-RU" smtClean="0"/>
-              <a:t>28.05.2013</a:t>
+              <a:t>31.05.2013</a:t>
             </a:fld>
             <a:endParaRPr lang="ru-RU"/>
           </a:p>
@@ -3044,7 +3047,7 @@
           <a:p>
             <a:fld id="{0DCE7064-7017-4203-951D-F84FBBE10E56}" type="datetime1">
               <a:rPr lang="ru-RU" smtClean="0"/>
-              <a:t>28.05.2013</a:t>
+              <a:t>31.05.2013</a:t>
             </a:fld>
             <a:endParaRPr lang="ru-RU"/>
           </a:p>
@@ -3438,11 +3441,7 @@
           <a:p>
             <a:r>
               <a:rPr lang="ru-RU" dirty="0" smtClean="0"/>
-              <a:t>Система </a:t>
-            </a:r>
-            <a:r>
-              <a:rPr lang="ru-RU" dirty="0" smtClean="0"/>
-              <a:t>заказа такси</a:t>
+              <a:t>Система заказа такси</a:t>
             </a:r>
             <a:endParaRPr lang="ru-RU" dirty="0"/>
           </a:p>
@@ -3477,21 +3476,8 @@
                   <a:schemeClr val="tx1"/>
                 </a:solidFill>
               </a:rPr>
-              <a:t>Студент: </a:t>
-            </a:r>
-            <a:r>
-              <a:rPr lang="ru-RU" dirty="0" smtClean="0">
-                <a:solidFill>
-                  <a:schemeClr val="tx1"/>
-                </a:solidFill>
-              </a:rPr>
-              <a:t>Кузьмин Артем Юрьевич</a:t>
-            </a:r>
-            <a:endParaRPr lang="ru-RU" dirty="0" smtClean="0">
-              <a:solidFill>
-                <a:schemeClr val="tx1"/>
-              </a:solidFill>
-            </a:endParaRPr>
+              <a:t>Студент: Кузьмин Артем Юрьевич</a:t>
+            </a:r>
           </a:p>
           <a:p>
             <a:pPr algn="r"/>
@@ -3576,125 +3562,6 @@
       </p:grpSpPr>
       <p:sp>
         <p:nvSpPr>
-          <p:cNvPr id="2" name="Заголовок 1"/>
-          <p:cNvSpPr>
-            <a:spLocks noGrp="1"/>
-          </p:cNvSpPr>
-          <p:nvPr>
-            <p:ph type="title"/>
-          </p:nvPr>
-        </p:nvSpPr>
-        <p:spPr/>
-        <p:txBody>
-          <a:bodyPr>
-            <a:normAutofit fontScale="90000"/>
-          </a:bodyPr>
-          <a:lstStyle/>
-          <a:p>
-            <a:r>
-              <a:rPr lang="ru-RU" dirty="0" smtClean="0"/>
-              <a:t>Диаграмма БД</a:t>
-            </a:r>
-            <a:br>
-              <a:rPr lang="ru-RU" dirty="0" smtClean="0"/>
-            </a:br>
-            <a:r>
-              <a:rPr lang="ru-RU" dirty="0" smtClean="0"/>
-              <a:t>(Диспетчерская АИС)</a:t>
-            </a:r>
-            <a:endParaRPr lang="ru-RU" dirty="0"/>
-          </a:p>
-        </p:txBody>
-      </p:sp>
-      <p:pic>
-        <p:nvPicPr>
-          <p:cNvPr id="4" name="Рисунок 3" descr="C:\Users\ArKuzmin\Desktop\rsoi_disp.png"/>
-          <p:cNvPicPr/>
-          <p:nvPr/>
-        </p:nvPicPr>
-        <p:blipFill>
-          <a:blip r:embed="rId2">
-            <a:extLst>
-              <a:ext uri="{28A0092B-C50C-407E-A947-70E740481C1C}">
-                <a14:useLocalDpi xmlns:a14="http://schemas.microsoft.com/office/drawing/2010/main" val="0"/>
-              </a:ext>
-            </a:extLst>
-          </a:blip>
-          <a:srcRect/>
-          <a:stretch>
-            <a:fillRect/>
-          </a:stretch>
-        </p:blipFill>
-        <p:spPr bwMode="auto">
-          <a:xfrm>
-            <a:off x="539552" y="1659890"/>
-            <a:ext cx="7920879" cy="5009470"/>
-          </a:xfrm>
-          <a:prstGeom prst="rect">
-            <a:avLst/>
-          </a:prstGeom>
-          <a:noFill/>
-          <a:ln>
-            <a:noFill/>
-          </a:ln>
-        </p:spPr>
-      </p:pic>
-      <p:sp>
-        <p:nvSpPr>
-          <p:cNvPr id="5" name="Номер слайда 4"/>
-          <p:cNvSpPr>
-            <a:spLocks noGrp="1"/>
-          </p:cNvSpPr>
-          <p:nvPr>
-            <p:ph type="sldNum" sz="quarter" idx="12"/>
-          </p:nvPr>
-        </p:nvSpPr>
-        <p:spPr/>
-        <p:txBody>
-          <a:bodyPr/>
-          <a:lstStyle/>
-          <a:p>
-            <a:fld id="{725C68B6-61C2-468F-89AB-4B9F7531AA68}" type="slidenum">
-              <a:rPr lang="ru-RU" smtClean="0"/>
-              <a:pPr/>
-              <a:t>10</a:t>
-            </a:fld>
-            <a:endParaRPr lang="ru-RU"/>
-          </a:p>
-        </p:txBody>
-      </p:sp>
-    </p:spTree>
-    <p:extLst>
-      <p:ext uri="{BB962C8B-B14F-4D97-AF65-F5344CB8AC3E}">
-        <p14:creationId xmlns:p14="http://schemas.microsoft.com/office/powerpoint/2010/main" val="1893221276"/>
-      </p:ext>
-    </p:extLst>
-  </p:cSld>
-  <p:clrMapOvr>
-    <a:masterClrMapping/>
-  </p:clrMapOvr>
-</p:sld>
-</file>
-
-<file path=ppt/slides/slide11.xml><?xml version="1.0" encoding="utf-8"?>
-<p:sld xmlns:a="http://schemas.openxmlformats.org/drawingml/2006/main" xmlns:r="http://schemas.openxmlformats.org/officeDocument/2006/relationships" xmlns:p="http://schemas.openxmlformats.org/presentationml/2006/main">
-  <p:cSld>
-    <p:spTree>
-      <p:nvGrpSpPr>
-        <p:cNvPr id="1" name=""/>
-        <p:cNvGrpSpPr/>
-        <p:nvPr/>
-      </p:nvGrpSpPr>
-      <p:grpSpPr>
-        <a:xfrm>
-          <a:off x="0" y="0"/>
-          <a:ext cx="0" cy="0"/>
-          <a:chOff x="0" y="0"/>
-          <a:chExt cx="0" cy="0"/>
-        </a:xfrm>
-      </p:grpSpPr>
-      <p:sp>
-        <p:nvSpPr>
           <p:cNvPr id="4" name="Заголовок 1"/>
           <p:cNvSpPr>
             <a:spLocks noGrp="1"/>
@@ -3717,7 +3584,7 @@
           <a:p>
             <a:r>
               <a:rPr lang="ru-RU" dirty="0" smtClean="0"/>
-              <a:t>Диаграмма БД</a:t>
+              <a:t>Состояния заявки</a:t>
             </a:r>
             <a:br>
               <a:rPr lang="ru-RU" dirty="0" smtClean="0"/>
@@ -3730,243 +3597,9 @@
           </a:p>
         </p:txBody>
       </p:sp>
-      <p:pic>
-        <p:nvPicPr>
-          <p:cNvPr id="5" name="Рисунок 4" descr="C:\Users\ArKuzmin\Desktop\taxipark.png"/>
-          <p:cNvPicPr/>
-          <p:nvPr/>
-        </p:nvPicPr>
-        <p:blipFill>
-          <a:blip r:embed="rId2">
-            <a:extLst>
-              <a:ext uri="{28A0092B-C50C-407E-A947-70E740481C1C}">
-                <a14:useLocalDpi xmlns:a14="http://schemas.microsoft.com/office/drawing/2010/main" val="0"/>
-              </a:ext>
-            </a:extLst>
-          </a:blip>
-          <a:srcRect/>
-          <a:stretch>
-            <a:fillRect/>
-          </a:stretch>
-        </p:blipFill>
-        <p:spPr bwMode="auto">
-          <a:xfrm>
-            <a:off x="539552" y="2348880"/>
-            <a:ext cx="8136904" cy="2246164"/>
-          </a:xfrm>
-          <a:prstGeom prst="rect">
-            <a:avLst/>
-          </a:prstGeom>
-          <a:noFill/>
-          <a:ln>
-            <a:noFill/>
-          </a:ln>
-        </p:spPr>
-      </p:pic>
-      <p:sp>
-        <p:nvSpPr>
-          <p:cNvPr id="6" name="Номер слайда 5"/>
-          <p:cNvSpPr>
-            <a:spLocks noGrp="1"/>
-          </p:cNvSpPr>
-          <p:nvPr>
-            <p:ph type="sldNum" sz="quarter" idx="12"/>
-          </p:nvPr>
-        </p:nvSpPr>
-        <p:spPr/>
-        <p:txBody>
-          <a:bodyPr/>
-          <a:lstStyle/>
-          <a:p>
-            <a:fld id="{725C68B6-61C2-468F-89AB-4B9F7531AA68}" type="slidenum">
-              <a:rPr lang="ru-RU" smtClean="0"/>
-              <a:pPr/>
-              <a:t>11</a:t>
-            </a:fld>
-            <a:endParaRPr lang="ru-RU"/>
-          </a:p>
-        </p:txBody>
-      </p:sp>
-    </p:spTree>
-    <p:extLst>
-      <p:ext uri="{BB962C8B-B14F-4D97-AF65-F5344CB8AC3E}">
-        <p14:creationId xmlns:p14="http://schemas.microsoft.com/office/powerpoint/2010/main" val="692091025"/>
-      </p:ext>
-    </p:extLst>
-  </p:cSld>
-  <p:clrMapOvr>
-    <a:masterClrMapping/>
-  </p:clrMapOvr>
-</p:sld>
-</file>
-
-<file path=ppt/slides/slide12.xml><?xml version="1.0" encoding="utf-8"?>
-<p:sld xmlns:a="http://schemas.openxmlformats.org/drawingml/2006/main" xmlns:r="http://schemas.openxmlformats.org/officeDocument/2006/relationships" xmlns:p="http://schemas.openxmlformats.org/presentationml/2006/main">
-  <p:cSld>
-    <p:spTree>
-      <p:nvGrpSpPr>
-        <p:cNvPr id="1" name=""/>
-        <p:cNvGrpSpPr/>
-        <p:nvPr/>
-      </p:nvGrpSpPr>
-      <p:grpSpPr>
-        <a:xfrm>
-          <a:off x="0" y="0"/>
-          <a:ext cx="0" cy="0"/>
-          <a:chOff x="0" y="0"/>
-          <a:chExt cx="0" cy="0"/>
-        </a:xfrm>
-      </p:grpSpPr>
-      <p:sp>
-        <p:nvSpPr>
-          <p:cNvPr id="4" name="Заголовок 1"/>
-          <p:cNvSpPr>
-            <a:spLocks noGrp="1"/>
-          </p:cNvSpPr>
-          <p:nvPr>
-            <p:ph type="title"/>
-          </p:nvPr>
-        </p:nvSpPr>
-        <p:spPr>
-          <a:xfrm>
-            <a:off x="457200" y="274638"/>
-            <a:ext cx="8229600" cy="1143000"/>
-          </a:xfrm>
-        </p:spPr>
-        <p:txBody>
-          <a:bodyPr>
-            <a:normAutofit fontScale="90000"/>
-          </a:bodyPr>
-          <a:lstStyle/>
-          <a:p>
-            <a:r>
-              <a:rPr lang="ru-RU" dirty="0" smtClean="0"/>
-              <a:t>Диаграмма БД</a:t>
-            </a:r>
-            <a:br>
-              <a:rPr lang="ru-RU" dirty="0" smtClean="0"/>
-            </a:br>
-            <a:r>
-              <a:rPr lang="ru-RU" dirty="0" smtClean="0"/>
-              <a:t>(АИС Такси)</a:t>
-            </a:r>
-            <a:endParaRPr lang="ru-RU" dirty="0"/>
-          </a:p>
-        </p:txBody>
-      </p:sp>
-      <p:pic>
-        <p:nvPicPr>
-          <p:cNvPr id="5" name="Рисунок 4" descr="C:\Users\ArKuzmin\Desktop\taxi.png"/>
-          <p:cNvPicPr/>
-          <p:nvPr/>
-        </p:nvPicPr>
-        <p:blipFill>
-          <a:blip r:embed="rId2">
-            <a:extLst>
-              <a:ext uri="{28A0092B-C50C-407E-A947-70E740481C1C}">
-                <a14:useLocalDpi xmlns:a14="http://schemas.microsoft.com/office/drawing/2010/main" val="0"/>
-              </a:ext>
-            </a:extLst>
-          </a:blip>
-          <a:srcRect/>
-          <a:stretch>
-            <a:fillRect/>
-          </a:stretch>
-        </p:blipFill>
-        <p:spPr bwMode="auto">
-          <a:xfrm>
-            <a:off x="3347864" y="2420888"/>
-            <a:ext cx="2823567" cy="1872407"/>
-          </a:xfrm>
-          <a:prstGeom prst="rect">
-            <a:avLst/>
-          </a:prstGeom>
-          <a:noFill/>
-          <a:ln>
-            <a:noFill/>
-          </a:ln>
-        </p:spPr>
-      </p:pic>
-      <p:sp>
-        <p:nvSpPr>
-          <p:cNvPr id="6" name="Номер слайда 5"/>
-          <p:cNvSpPr>
-            <a:spLocks noGrp="1"/>
-          </p:cNvSpPr>
-          <p:nvPr>
-            <p:ph type="sldNum" sz="quarter" idx="12"/>
-          </p:nvPr>
-        </p:nvSpPr>
-        <p:spPr/>
-        <p:txBody>
-          <a:bodyPr/>
-          <a:lstStyle/>
-          <a:p>
-            <a:fld id="{725C68B6-61C2-468F-89AB-4B9F7531AA68}" type="slidenum">
-              <a:rPr lang="ru-RU" smtClean="0"/>
-              <a:pPr/>
-              <a:t>12</a:t>
-            </a:fld>
-            <a:endParaRPr lang="ru-RU"/>
-          </a:p>
-        </p:txBody>
-      </p:sp>
-    </p:spTree>
-    <p:extLst>
-      <p:ext uri="{BB962C8B-B14F-4D97-AF65-F5344CB8AC3E}">
-        <p14:creationId xmlns:p14="http://schemas.microsoft.com/office/powerpoint/2010/main" val="312218595"/>
-      </p:ext>
-    </p:extLst>
-  </p:cSld>
-  <p:clrMapOvr>
-    <a:masterClrMapping/>
-  </p:clrMapOvr>
-</p:sld>
-</file>
-
-<file path=ppt/slides/slide13.xml><?xml version="1.0" encoding="utf-8"?>
-<p:sld xmlns:a="http://schemas.openxmlformats.org/drawingml/2006/main" xmlns:r="http://schemas.openxmlformats.org/officeDocument/2006/relationships" xmlns:p="http://schemas.openxmlformats.org/presentationml/2006/main">
-  <p:cSld>
-    <p:spTree>
-      <p:nvGrpSpPr>
-        <p:cNvPr id="1" name=""/>
-        <p:cNvGrpSpPr/>
-        <p:nvPr/>
-      </p:nvGrpSpPr>
-      <p:grpSpPr>
-        <a:xfrm>
-          <a:off x="0" y="0"/>
-          <a:ext cx="0" cy="0"/>
-          <a:chOff x="0" y="0"/>
-          <a:chExt cx="0" cy="0"/>
-        </a:xfrm>
-      </p:grpSpPr>
-      <p:sp>
-        <p:nvSpPr>
-          <p:cNvPr id="2" name="Заголовок 1"/>
-          <p:cNvSpPr>
-            <a:spLocks noGrp="1"/>
-          </p:cNvSpPr>
-          <p:nvPr>
-            <p:ph type="title"/>
-          </p:nvPr>
-        </p:nvSpPr>
-        <p:spPr/>
-        <p:txBody>
-          <a:bodyPr/>
-          <a:lstStyle/>
-          <a:p>
-            <a:r>
-              <a:rPr lang="ru-RU" dirty="0" smtClean="0"/>
-              <a:t>Развертывание системы</a:t>
-            </a:r>
-            <a:endParaRPr lang="ru-RU" dirty="0"/>
-          </a:p>
-        </p:txBody>
-      </p:sp>
-      <p:sp>
-        <p:nvSpPr>
-          <p:cNvPr id="4" name="Rectangle 2"/>
+      <p:sp>
+        <p:nvSpPr>
+          <p:cNvPr id="5" name="Rectangle 2"/>
           <p:cNvSpPr>
             <a:spLocks noChangeArrowheads="1"/>
           </p:cNvSpPr>
@@ -4029,32 +3662,32 @@
       </p:sp>
       <p:graphicFrame>
         <p:nvGraphicFramePr>
-          <p:cNvPr id="5" name="Объект 4"/>
+          <p:cNvPr id="6" name="Объект 5"/>
           <p:cNvGraphicFramePr>
             <a:graphicFrameLocks noChangeAspect="1"/>
           </p:cNvGraphicFramePr>
           <p:nvPr>
             <p:extLst>
               <p:ext uri="{D42A27DB-BD31-4B8C-83A1-F6EECF244321}">
-                <p14:modId xmlns:p14="http://schemas.microsoft.com/office/powerpoint/2010/main" val="3027608124"/>
+                <p14:modId xmlns:p14="http://schemas.microsoft.com/office/powerpoint/2010/main" val="4212157884"/>
               </p:ext>
             </p:extLst>
           </p:nvPr>
         </p:nvGraphicFramePr>
         <p:xfrm>
-          <a:off x="1403648" y="1124744"/>
-          <a:ext cx="6048672" cy="5556214"/>
+          <a:off x="1595437" y="1412776"/>
+          <a:ext cx="6034215" cy="5358383"/>
         </p:xfrm>
         <a:graphic>
           <a:graphicData uri="http://schemas.openxmlformats.org/presentationml/2006/ole">
             <mc:AlternateContent xmlns:mc="http://schemas.openxmlformats.org/markup-compatibility/2006">
               <mc:Choice xmlns:v="urn:schemas-microsoft-com:vml" Requires="v">
-                <p:oleObj spid="_x0000_s24586" name="Visio" r:id="rId3" imgW="5378302" imgH="4944103" progId="Visio.Drawing.11">
+                <p:oleObj spid="_x0000_s22555" name="Visio" r:id="rId3" imgW="5953276" imgH="5285569" progId="Visio.Drawing.11">
                   <p:embed/>
                 </p:oleObj>
               </mc:Choice>
               <mc:Fallback>
-                <p:oleObj name="Visio" r:id="rId3" imgW="5378302" imgH="4944103" progId="Visio.Drawing.11">
+                <p:oleObj name="Visio" r:id="rId3" imgW="5953276" imgH="5285569" progId="Visio.Drawing.11">
                   <p:embed/>
                   <p:pic>
                     <p:nvPicPr>
@@ -4079,8 +3712,8 @@
                     </p:blipFill>
                     <p:spPr bwMode="auto">
                       <a:xfrm>
-                        <a:off x="1403648" y="1124744"/>
-                        <a:ext cx="6048672" cy="5556214"/>
+                        <a:off x="1595437" y="1412776"/>
+                        <a:ext cx="6034215" cy="5358383"/>
                       </a:xfrm>
                       <a:prstGeom prst="rect">
                         <a:avLst/>
@@ -4096,7 +3729,7 @@
       </p:graphicFrame>
       <p:sp>
         <p:nvSpPr>
-          <p:cNvPr id="6" name="Номер слайда 5"/>
+          <p:cNvPr id="7" name="Номер слайда 6"/>
           <p:cNvSpPr>
             <a:spLocks noGrp="1"/>
           </p:cNvSpPr>
@@ -4112,7 +3745,339 @@
             <a:fld id="{725C68B6-61C2-468F-89AB-4B9F7531AA68}" type="slidenum">
               <a:rPr lang="ru-RU" smtClean="0"/>
               <a:pPr/>
-              <a:t>13</a:t>
+              <a:t>10</a:t>
+            </a:fld>
+            <a:endParaRPr lang="ru-RU"/>
+          </a:p>
+        </p:txBody>
+      </p:sp>
+    </p:spTree>
+    <p:extLst>
+      <p:ext uri="{BB962C8B-B14F-4D97-AF65-F5344CB8AC3E}">
+        <p14:creationId xmlns:p14="http://schemas.microsoft.com/office/powerpoint/2010/main" val="1506922384"/>
+      </p:ext>
+    </p:extLst>
+  </p:cSld>
+  <p:clrMapOvr>
+    <a:masterClrMapping/>
+  </p:clrMapOvr>
+</p:sld>
+</file>
+
+<file path=ppt/slides/slide11.xml><?xml version="1.0" encoding="utf-8"?>
+<p:sld xmlns:a="http://schemas.openxmlformats.org/drawingml/2006/main" xmlns:r="http://schemas.openxmlformats.org/officeDocument/2006/relationships" xmlns:p="http://schemas.openxmlformats.org/presentationml/2006/main">
+  <p:cSld>
+    <p:spTree>
+      <p:nvGrpSpPr>
+        <p:cNvPr id="1" name=""/>
+        <p:cNvGrpSpPr/>
+        <p:nvPr/>
+      </p:nvGrpSpPr>
+      <p:grpSpPr>
+        <a:xfrm>
+          <a:off x="0" y="0"/>
+          <a:ext cx="0" cy="0"/>
+          <a:chOff x="0" y="0"/>
+          <a:chExt cx="0" cy="0"/>
+        </a:xfrm>
+      </p:grpSpPr>
+      <p:sp>
+        <p:nvSpPr>
+          <p:cNvPr id="4" name="Заголовок 1"/>
+          <p:cNvSpPr>
+            <a:spLocks noGrp="1"/>
+          </p:cNvSpPr>
+          <p:nvPr>
+            <p:ph type="title"/>
+          </p:nvPr>
+        </p:nvSpPr>
+        <p:spPr/>
+        <p:txBody>
+          <a:bodyPr>
+            <a:normAutofit fontScale="90000"/>
+          </a:bodyPr>
+          <a:lstStyle/>
+          <a:p>
+            <a:r>
+              <a:rPr lang="ru-RU" dirty="0" smtClean="0"/>
+              <a:t>Состояния заявки</a:t>
+            </a:r>
+            <a:br>
+              <a:rPr lang="ru-RU" dirty="0" smtClean="0"/>
+            </a:br>
+            <a:r>
+              <a:rPr lang="ru-RU" dirty="0" smtClean="0"/>
+              <a:t>(АИС Такси)</a:t>
+            </a:r>
+            <a:endParaRPr lang="ru-RU" dirty="0"/>
+          </a:p>
+        </p:txBody>
+      </p:sp>
+      <p:sp>
+        <p:nvSpPr>
+          <p:cNvPr id="5" name="Rectangle 2"/>
+          <p:cNvSpPr>
+            <a:spLocks noChangeArrowheads="1"/>
+          </p:cNvSpPr>
+          <p:nvPr/>
+        </p:nvSpPr>
+        <p:spPr bwMode="auto">
+          <a:xfrm>
+            <a:off x="0" y="0"/>
+            <a:ext cx="9144000" cy="0"/>
+          </a:xfrm>
+          <a:prstGeom prst="rect">
+            <a:avLst/>
+          </a:prstGeom>
+          <a:noFill/>
+          <a:ln>
+            <a:noFill/>
+          </a:ln>
+          <a:effectLst/>
+          <a:extLst>
+            <a:ext uri="{909E8E84-426E-40DD-AFC4-6F175D3DCCD1}">
+              <a14:hiddenFill xmlns:a14="http://schemas.microsoft.com/office/drawing/2010/main">
+                <a:solidFill>
+                  <a:schemeClr val="accent1"/>
+                </a:solidFill>
+              </a14:hiddenFill>
+            </a:ext>
+            <a:ext uri="{91240B29-F687-4F45-9708-019B960494DF}">
+              <a14:hiddenLine xmlns:a14="http://schemas.microsoft.com/office/drawing/2010/main" w="9525">
+                <a:solidFill>
+                  <a:schemeClr val="tx1"/>
+                </a:solidFill>
+                <a:miter lim="800000"/>
+                <a:headEnd/>
+                <a:tailEnd/>
+              </a14:hiddenLine>
+            </a:ext>
+            <a:ext uri="{AF507438-7753-43E0-B8FC-AC1667EBCBE1}">
+              <a14:hiddenEffects xmlns:a14="http://schemas.microsoft.com/office/drawing/2010/main">
+                <a:effectLst>
+                  <a:outerShdw dist="35921" dir="2700000" algn="ctr" rotWithShape="0">
+                    <a:schemeClr val="bg2"/>
+                  </a:outerShdw>
+                </a:effectLst>
+              </a14:hiddenEffects>
+            </a:ext>
+          </a:extLst>
+        </p:spPr>
+        <p:txBody>
+          <a:bodyPr vert="horz" wrap="none" lIns="91440" tIns="45720" rIns="91440" bIns="45720" numCol="1" anchor="ctr" anchorCtr="0" compatLnSpc="1">
+            <a:prstTxWarp prst="textNoShape">
+              <a:avLst/>
+            </a:prstTxWarp>
+            <a:spAutoFit/>
+          </a:bodyPr>
+          <a:lstStyle/>
+          <a:p>
+            <a:endParaRPr lang="ru-RU"/>
+          </a:p>
+        </p:txBody>
+      </p:sp>
+      <p:graphicFrame>
+        <p:nvGraphicFramePr>
+          <p:cNvPr id="6" name="Объект 5"/>
+          <p:cNvGraphicFramePr>
+            <a:graphicFrameLocks noChangeAspect="1"/>
+          </p:cNvGraphicFramePr>
+          <p:nvPr>
+            <p:extLst>
+              <p:ext uri="{D42A27DB-BD31-4B8C-83A1-F6EECF244321}">
+                <p14:modId xmlns:p14="http://schemas.microsoft.com/office/powerpoint/2010/main" val="2111560644"/>
+              </p:ext>
+            </p:extLst>
+          </p:nvPr>
+        </p:nvGraphicFramePr>
+        <p:xfrm>
+          <a:off x="2195735" y="1700808"/>
+          <a:ext cx="4884021" cy="5040560"/>
+        </p:xfrm>
+        <a:graphic>
+          <a:graphicData uri="http://schemas.openxmlformats.org/presentationml/2006/ole">
+            <mc:AlternateContent xmlns:mc="http://schemas.openxmlformats.org/markup-compatibility/2006">
+              <mc:Choice xmlns:v="urn:schemas-microsoft-com:vml" Requires="v">
+                <p:oleObj spid="_x0000_s23578" name="Visio" r:id="rId3" imgW="4454564" imgH="4597779" progId="Visio.Drawing.11">
+                  <p:embed/>
+                </p:oleObj>
+              </mc:Choice>
+              <mc:Fallback>
+                <p:oleObj name="Visio" r:id="rId3" imgW="4454564" imgH="4597779" progId="Visio.Drawing.11">
+                  <p:embed/>
+                  <p:pic>
+                    <p:nvPicPr>
+                      <p:cNvPr id="0" name="Object 1"/>
+                      <p:cNvPicPr>
+                        <a:picLocks noChangeAspect="1" noChangeArrowheads="1"/>
+                      </p:cNvPicPr>
+                      <p:nvPr/>
+                    </p:nvPicPr>
+                    <p:blipFill>
+                      <a:blip r:embed="rId4">
+                        <a:extLst>
+                          <a:ext uri="{28A0092B-C50C-407E-A947-70E740481C1C}">
+                            <a14:useLocalDpi xmlns:a14="http://schemas.microsoft.com/office/drawing/2010/main" val="0"/>
+                          </a:ext>
+                        </a:extLst>
+                      </a:blip>
+                      <a:srcRect/>
+                      <a:stretch>
+                        <a:fillRect/>
+                      </a:stretch>
+                    </p:blipFill>
+                    <p:spPr bwMode="auto">
+                      <a:xfrm>
+                        <a:off x="2195735" y="1700808"/>
+                        <a:ext cx="4884021" cy="5040560"/>
+                      </a:xfrm>
+                      <a:prstGeom prst="rect">
+                        <a:avLst/>
+                      </a:prstGeom>
+                      <a:noFill/>
+                    </p:spPr>
+                  </p:pic>
+                </p:oleObj>
+              </mc:Fallback>
+            </mc:AlternateContent>
+          </a:graphicData>
+        </a:graphic>
+      </p:graphicFrame>
+      <p:sp>
+        <p:nvSpPr>
+          <p:cNvPr id="7" name="Номер слайда 6"/>
+          <p:cNvSpPr>
+            <a:spLocks noGrp="1"/>
+          </p:cNvSpPr>
+          <p:nvPr>
+            <p:ph type="sldNum" sz="quarter" idx="12"/>
+          </p:nvPr>
+        </p:nvSpPr>
+        <p:spPr/>
+        <p:txBody>
+          <a:bodyPr/>
+          <a:lstStyle/>
+          <a:p>
+            <a:fld id="{725C68B6-61C2-468F-89AB-4B9F7531AA68}" type="slidenum">
+              <a:rPr lang="ru-RU" smtClean="0"/>
+              <a:pPr/>
+              <a:t>11</a:t>
+            </a:fld>
+            <a:endParaRPr lang="ru-RU"/>
+          </a:p>
+        </p:txBody>
+      </p:sp>
+    </p:spTree>
+    <p:extLst>
+      <p:ext uri="{BB962C8B-B14F-4D97-AF65-F5344CB8AC3E}">
+        <p14:creationId xmlns:p14="http://schemas.microsoft.com/office/powerpoint/2010/main" val="2112661453"/>
+      </p:ext>
+    </p:extLst>
+  </p:cSld>
+  <p:clrMapOvr>
+    <a:masterClrMapping/>
+  </p:clrMapOvr>
+</p:sld>
+</file>
+
+<file path=ppt/slides/slide12.xml><?xml version="1.0" encoding="utf-8"?>
+<p:sld xmlns:a="http://schemas.openxmlformats.org/drawingml/2006/main" xmlns:r="http://schemas.openxmlformats.org/officeDocument/2006/relationships" xmlns:p="http://schemas.openxmlformats.org/presentationml/2006/main">
+  <p:cSld>
+    <p:spTree>
+      <p:nvGrpSpPr>
+        <p:cNvPr id="1" name=""/>
+        <p:cNvGrpSpPr/>
+        <p:nvPr/>
+      </p:nvGrpSpPr>
+      <p:grpSpPr>
+        <a:xfrm>
+          <a:off x="0" y="0"/>
+          <a:ext cx="0" cy="0"/>
+          <a:chOff x="0" y="0"/>
+          <a:chExt cx="0" cy="0"/>
+        </a:xfrm>
+      </p:grpSpPr>
+      <p:sp>
+        <p:nvSpPr>
+          <p:cNvPr id="2" name="Заголовок 1"/>
+          <p:cNvSpPr>
+            <a:spLocks noGrp="1"/>
+          </p:cNvSpPr>
+          <p:nvPr>
+            <p:ph type="title"/>
+          </p:nvPr>
+        </p:nvSpPr>
+        <p:spPr/>
+        <p:txBody>
+          <a:bodyPr/>
+          <a:lstStyle/>
+          <a:p>
+            <a:r>
+              <a:rPr lang="ru-RU" dirty="0" smtClean="0"/>
+              <a:t>Кэширование</a:t>
+            </a:r>
+            <a:endParaRPr lang="ru-RU" dirty="0"/>
+          </a:p>
+        </p:txBody>
+      </p:sp>
+      <p:sp>
+        <p:nvSpPr>
+          <p:cNvPr id="3" name="Содержимое 2"/>
+          <p:cNvSpPr>
+            <a:spLocks noGrp="1"/>
+          </p:cNvSpPr>
+          <p:nvPr>
+            <p:ph idx="1"/>
+          </p:nvPr>
+        </p:nvSpPr>
+        <p:spPr/>
+        <p:txBody>
+          <a:bodyPr>
+            <a:normAutofit/>
+          </a:bodyPr>
+          <a:lstStyle/>
+          <a:p>
+            <a:pPr>
+              <a:buNone/>
+            </a:pPr>
+            <a:r>
+              <a:rPr lang="ru-RU" sz="1900" dirty="0" smtClean="0"/>
+              <a:t>Кэширование реализовано в Диспетчерской АИС:</a:t>
+            </a:r>
+          </a:p>
+          <a:p>
+            <a:r>
+              <a:rPr lang="ru-RU" sz="1900" dirty="0" smtClean="0"/>
+              <a:t>Сохранение статуса заказа клиента через заданные промежутки времени;</a:t>
+            </a:r>
+          </a:p>
+          <a:p>
+            <a:r>
+              <a:rPr lang="ru-RU" sz="1900" dirty="0" smtClean="0"/>
+              <a:t>Получение статуса текущего заказа при запросе от клиента из кэша.</a:t>
+            </a:r>
+          </a:p>
+        </p:txBody>
+      </p:sp>
+      <p:sp>
+        <p:nvSpPr>
+          <p:cNvPr id="4" name="Номер слайда 3"/>
+          <p:cNvSpPr>
+            <a:spLocks noGrp="1"/>
+          </p:cNvSpPr>
+          <p:nvPr>
+            <p:ph type="sldNum" sz="quarter" idx="12"/>
+          </p:nvPr>
+        </p:nvSpPr>
+        <p:spPr/>
+        <p:txBody>
+          <a:bodyPr/>
+          <a:lstStyle/>
+          <a:p>
+            <a:fld id="{725C68B6-61C2-468F-89AB-4B9F7531AA68}" type="slidenum">
+              <a:rPr lang="ru-RU" smtClean="0"/>
+              <a:pPr/>
+              <a:t>12</a:t>
             </a:fld>
             <a:endParaRPr lang="ru-RU"/>
           </a:p>
@@ -4126,7 +4091,639 @@
 </p:sld>
 </file>
 
+<file path=ppt/slides/slide13.xml><?xml version="1.0" encoding="utf-8"?>
+<p:sld xmlns:a="http://schemas.openxmlformats.org/drawingml/2006/main" xmlns:r="http://schemas.openxmlformats.org/officeDocument/2006/relationships" xmlns:p="http://schemas.openxmlformats.org/presentationml/2006/main">
+  <p:cSld>
+    <p:spTree>
+      <p:nvGrpSpPr>
+        <p:cNvPr id="1" name=""/>
+        <p:cNvGrpSpPr/>
+        <p:nvPr/>
+      </p:nvGrpSpPr>
+      <p:grpSpPr>
+        <a:xfrm>
+          <a:off x="0" y="0"/>
+          <a:ext cx="0" cy="0"/>
+          <a:chOff x="0" y="0"/>
+          <a:chExt cx="0" cy="0"/>
+        </a:xfrm>
+      </p:grpSpPr>
+      <p:sp>
+        <p:nvSpPr>
+          <p:cNvPr id="2" name="Заголовок 1"/>
+          <p:cNvSpPr>
+            <a:spLocks noGrp="1"/>
+          </p:cNvSpPr>
+          <p:nvPr>
+            <p:ph type="title"/>
+          </p:nvPr>
+        </p:nvSpPr>
+        <p:spPr/>
+        <p:txBody>
+          <a:bodyPr>
+            <a:normAutofit fontScale="90000"/>
+          </a:bodyPr>
+          <a:lstStyle/>
+          <a:p>
+            <a:r>
+              <a:rPr lang="ru-RU" dirty="0" smtClean="0"/>
+              <a:t>Диаграмма БД</a:t>
+            </a:r>
+            <a:br>
+              <a:rPr lang="ru-RU" dirty="0" smtClean="0"/>
+            </a:br>
+            <a:r>
+              <a:rPr lang="ru-RU" dirty="0" smtClean="0"/>
+              <a:t>(Диспетчерская АИС)</a:t>
+            </a:r>
+            <a:endParaRPr lang="ru-RU" dirty="0"/>
+          </a:p>
+        </p:txBody>
+      </p:sp>
+      <p:pic>
+        <p:nvPicPr>
+          <p:cNvPr id="4" name="Рисунок 3" descr="C:\Users\ArKuzmin\Desktop\rsoi_disp.png"/>
+          <p:cNvPicPr/>
+          <p:nvPr/>
+        </p:nvPicPr>
+        <p:blipFill>
+          <a:blip r:embed="rId2">
+            <a:extLst>
+              <a:ext uri="{28A0092B-C50C-407E-A947-70E740481C1C}">
+                <a14:useLocalDpi xmlns:a14="http://schemas.microsoft.com/office/drawing/2010/main" val="0"/>
+              </a:ext>
+            </a:extLst>
+          </a:blip>
+          <a:srcRect/>
+          <a:stretch>
+            <a:fillRect/>
+          </a:stretch>
+        </p:blipFill>
+        <p:spPr bwMode="auto">
+          <a:xfrm>
+            <a:off x="539552" y="1659890"/>
+            <a:ext cx="7920879" cy="5009470"/>
+          </a:xfrm>
+          <a:prstGeom prst="rect">
+            <a:avLst/>
+          </a:prstGeom>
+          <a:noFill/>
+          <a:ln>
+            <a:noFill/>
+          </a:ln>
+        </p:spPr>
+      </p:pic>
+      <p:sp>
+        <p:nvSpPr>
+          <p:cNvPr id="5" name="Номер слайда 4"/>
+          <p:cNvSpPr>
+            <a:spLocks noGrp="1"/>
+          </p:cNvSpPr>
+          <p:nvPr>
+            <p:ph type="sldNum" sz="quarter" idx="12"/>
+          </p:nvPr>
+        </p:nvSpPr>
+        <p:spPr/>
+        <p:txBody>
+          <a:bodyPr/>
+          <a:lstStyle/>
+          <a:p>
+            <a:fld id="{725C68B6-61C2-468F-89AB-4B9F7531AA68}" type="slidenum">
+              <a:rPr lang="ru-RU" smtClean="0"/>
+              <a:pPr/>
+              <a:t>13</a:t>
+            </a:fld>
+            <a:endParaRPr lang="ru-RU"/>
+          </a:p>
+        </p:txBody>
+      </p:sp>
+    </p:spTree>
+    <p:extLst>
+      <p:ext uri="{BB962C8B-B14F-4D97-AF65-F5344CB8AC3E}">
+        <p14:creationId xmlns:p14="http://schemas.microsoft.com/office/powerpoint/2010/main" val="1893221276"/>
+      </p:ext>
+    </p:extLst>
+  </p:cSld>
+  <p:clrMapOvr>
+    <a:masterClrMapping/>
+  </p:clrMapOvr>
+</p:sld>
+</file>
+
 <file path=ppt/slides/slide14.xml><?xml version="1.0" encoding="utf-8"?>
+<p:sld xmlns:a="http://schemas.openxmlformats.org/drawingml/2006/main" xmlns:r="http://schemas.openxmlformats.org/officeDocument/2006/relationships" xmlns:p="http://schemas.openxmlformats.org/presentationml/2006/main">
+  <p:cSld>
+    <p:spTree>
+      <p:nvGrpSpPr>
+        <p:cNvPr id="1" name=""/>
+        <p:cNvGrpSpPr/>
+        <p:nvPr/>
+      </p:nvGrpSpPr>
+      <p:grpSpPr>
+        <a:xfrm>
+          <a:off x="0" y="0"/>
+          <a:ext cx="0" cy="0"/>
+          <a:chOff x="0" y="0"/>
+          <a:chExt cx="0" cy="0"/>
+        </a:xfrm>
+      </p:grpSpPr>
+      <p:sp>
+        <p:nvSpPr>
+          <p:cNvPr id="4" name="Заголовок 1"/>
+          <p:cNvSpPr>
+            <a:spLocks noGrp="1"/>
+          </p:cNvSpPr>
+          <p:nvPr>
+            <p:ph type="title"/>
+          </p:nvPr>
+        </p:nvSpPr>
+        <p:spPr>
+          <a:xfrm>
+            <a:off x="457200" y="274638"/>
+            <a:ext cx="8229600" cy="1143000"/>
+          </a:xfrm>
+        </p:spPr>
+        <p:txBody>
+          <a:bodyPr>
+            <a:normAutofit fontScale="90000"/>
+          </a:bodyPr>
+          <a:lstStyle/>
+          <a:p>
+            <a:r>
+              <a:rPr lang="ru-RU" dirty="0" smtClean="0"/>
+              <a:t>Диаграмма БД</a:t>
+            </a:r>
+            <a:br>
+              <a:rPr lang="ru-RU" dirty="0" smtClean="0"/>
+            </a:br>
+            <a:r>
+              <a:rPr lang="ru-RU" dirty="0" smtClean="0"/>
+              <a:t>(АИС Таксопарка)</a:t>
+            </a:r>
+            <a:endParaRPr lang="ru-RU" dirty="0"/>
+          </a:p>
+        </p:txBody>
+      </p:sp>
+      <p:pic>
+        <p:nvPicPr>
+          <p:cNvPr id="5" name="Рисунок 4" descr="C:\Users\ArKuzmin\Desktop\taxipark.png"/>
+          <p:cNvPicPr/>
+          <p:nvPr/>
+        </p:nvPicPr>
+        <p:blipFill>
+          <a:blip r:embed="rId2">
+            <a:extLst>
+              <a:ext uri="{28A0092B-C50C-407E-A947-70E740481C1C}">
+                <a14:useLocalDpi xmlns:a14="http://schemas.microsoft.com/office/drawing/2010/main" val="0"/>
+              </a:ext>
+            </a:extLst>
+          </a:blip>
+          <a:srcRect/>
+          <a:stretch>
+            <a:fillRect/>
+          </a:stretch>
+        </p:blipFill>
+        <p:spPr bwMode="auto">
+          <a:xfrm>
+            <a:off x="539552" y="2348880"/>
+            <a:ext cx="8136904" cy="2246164"/>
+          </a:xfrm>
+          <a:prstGeom prst="rect">
+            <a:avLst/>
+          </a:prstGeom>
+          <a:noFill/>
+          <a:ln>
+            <a:noFill/>
+          </a:ln>
+        </p:spPr>
+      </p:pic>
+      <p:sp>
+        <p:nvSpPr>
+          <p:cNvPr id="6" name="Номер слайда 5"/>
+          <p:cNvSpPr>
+            <a:spLocks noGrp="1"/>
+          </p:cNvSpPr>
+          <p:nvPr>
+            <p:ph type="sldNum" sz="quarter" idx="12"/>
+          </p:nvPr>
+        </p:nvSpPr>
+        <p:spPr/>
+        <p:txBody>
+          <a:bodyPr/>
+          <a:lstStyle/>
+          <a:p>
+            <a:fld id="{725C68B6-61C2-468F-89AB-4B9F7531AA68}" type="slidenum">
+              <a:rPr lang="ru-RU" smtClean="0"/>
+              <a:pPr/>
+              <a:t>14</a:t>
+            </a:fld>
+            <a:endParaRPr lang="ru-RU"/>
+          </a:p>
+        </p:txBody>
+      </p:sp>
+    </p:spTree>
+    <p:extLst>
+      <p:ext uri="{BB962C8B-B14F-4D97-AF65-F5344CB8AC3E}">
+        <p14:creationId xmlns:p14="http://schemas.microsoft.com/office/powerpoint/2010/main" val="692091025"/>
+      </p:ext>
+    </p:extLst>
+  </p:cSld>
+  <p:clrMapOvr>
+    <a:masterClrMapping/>
+  </p:clrMapOvr>
+</p:sld>
+</file>
+
+<file path=ppt/slides/slide15.xml><?xml version="1.0" encoding="utf-8"?>
+<p:sld xmlns:a="http://schemas.openxmlformats.org/drawingml/2006/main" xmlns:r="http://schemas.openxmlformats.org/officeDocument/2006/relationships" xmlns:p="http://schemas.openxmlformats.org/presentationml/2006/main">
+  <p:cSld>
+    <p:spTree>
+      <p:nvGrpSpPr>
+        <p:cNvPr id="1" name=""/>
+        <p:cNvGrpSpPr/>
+        <p:nvPr/>
+      </p:nvGrpSpPr>
+      <p:grpSpPr>
+        <a:xfrm>
+          <a:off x="0" y="0"/>
+          <a:ext cx="0" cy="0"/>
+          <a:chOff x="0" y="0"/>
+          <a:chExt cx="0" cy="0"/>
+        </a:xfrm>
+      </p:grpSpPr>
+      <p:sp>
+        <p:nvSpPr>
+          <p:cNvPr id="4" name="Заголовок 1"/>
+          <p:cNvSpPr>
+            <a:spLocks noGrp="1"/>
+          </p:cNvSpPr>
+          <p:nvPr>
+            <p:ph type="title"/>
+          </p:nvPr>
+        </p:nvSpPr>
+        <p:spPr>
+          <a:xfrm>
+            <a:off x="457200" y="274638"/>
+            <a:ext cx="8229600" cy="1143000"/>
+          </a:xfrm>
+        </p:spPr>
+        <p:txBody>
+          <a:bodyPr>
+            <a:normAutofit fontScale="90000"/>
+          </a:bodyPr>
+          <a:lstStyle/>
+          <a:p>
+            <a:r>
+              <a:rPr lang="ru-RU" dirty="0" smtClean="0"/>
+              <a:t>Диаграмма БД</a:t>
+            </a:r>
+            <a:br>
+              <a:rPr lang="ru-RU" dirty="0" smtClean="0"/>
+            </a:br>
+            <a:r>
+              <a:rPr lang="ru-RU" dirty="0" smtClean="0"/>
+              <a:t>(АИС Такси)</a:t>
+            </a:r>
+            <a:endParaRPr lang="ru-RU" dirty="0"/>
+          </a:p>
+        </p:txBody>
+      </p:sp>
+      <p:pic>
+        <p:nvPicPr>
+          <p:cNvPr id="5" name="Рисунок 4" descr="C:\Users\ArKuzmin\Desktop\taxi.png"/>
+          <p:cNvPicPr/>
+          <p:nvPr/>
+        </p:nvPicPr>
+        <p:blipFill>
+          <a:blip r:embed="rId2">
+            <a:extLst>
+              <a:ext uri="{28A0092B-C50C-407E-A947-70E740481C1C}">
+                <a14:useLocalDpi xmlns:a14="http://schemas.microsoft.com/office/drawing/2010/main" val="0"/>
+              </a:ext>
+            </a:extLst>
+          </a:blip>
+          <a:srcRect/>
+          <a:stretch>
+            <a:fillRect/>
+          </a:stretch>
+        </p:blipFill>
+        <p:spPr bwMode="auto">
+          <a:xfrm>
+            <a:off x="3347864" y="2420888"/>
+            <a:ext cx="2823567" cy="1872407"/>
+          </a:xfrm>
+          <a:prstGeom prst="rect">
+            <a:avLst/>
+          </a:prstGeom>
+          <a:noFill/>
+          <a:ln>
+            <a:noFill/>
+          </a:ln>
+        </p:spPr>
+      </p:pic>
+      <p:sp>
+        <p:nvSpPr>
+          <p:cNvPr id="6" name="Номер слайда 5"/>
+          <p:cNvSpPr>
+            <a:spLocks noGrp="1"/>
+          </p:cNvSpPr>
+          <p:nvPr>
+            <p:ph type="sldNum" sz="quarter" idx="12"/>
+          </p:nvPr>
+        </p:nvSpPr>
+        <p:spPr/>
+        <p:txBody>
+          <a:bodyPr/>
+          <a:lstStyle/>
+          <a:p>
+            <a:fld id="{725C68B6-61C2-468F-89AB-4B9F7531AA68}" type="slidenum">
+              <a:rPr lang="ru-RU" smtClean="0"/>
+              <a:pPr/>
+              <a:t>15</a:t>
+            </a:fld>
+            <a:endParaRPr lang="ru-RU"/>
+          </a:p>
+        </p:txBody>
+      </p:sp>
+    </p:spTree>
+    <p:extLst>
+      <p:ext uri="{BB962C8B-B14F-4D97-AF65-F5344CB8AC3E}">
+        <p14:creationId xmlns:p14="http://schemas.microsoft.com/office/powerpoint/2010/main" val="312218595"/>
+      </p:ext>
+    </p:extLst>
+  </p:cSld>
+  <p:clrMapOvr>
+    <a:masterClrMapping/>
+  </p:clrMapOvr>
+</p:sld>
+</file>
+
+<file path=ppt/slides/slide16.xml><?xml version="1.0" encoding="utf-8"?>
+<p:sld xmlns:a="http://schemas.openxmlformats.org/drawingml/2006/main" xmlns:r="http://schemas.openxmlformats.org/officeDocument/2006/relationships" xmlns:p="http://schemas.openxmlformats.org/presentationml/2006/main">
+  <p:cSld>
+    <p:spTree>
+      <p:nvGrpSpPr>
+        <p:cNvPr id="1" name=""/>
+        <p:cNvGrpSpPr/>
+        <p:nvPr/>
+      </p:nvGrpSpPr>
+      <p:grpSpPr>
+        <a:xfrm>
+          <a:off x="0" y="0"/>
+          <a:ext cx="0" cy="0"/>
+          <a:chOff x="0" y="0"/>
+          <a:chExt cx="0" cy="0"/>
+        </a:xfrm>
+      </p:grpSpPr>
+      <p:sp>
+        <p:nvSpPr>
+          <p:cNvPr id="2" name="Заголовок 1"/>
+          <p:cNvSpPr>
+            <a:spLocks noGrp="1"/>
+          </p:cNvSpPr>
+          <p:nvPr>
+            <p:ph type="title"/>
+          </p:nvPr>
+        </p:nvSpPr>
+        <p:spPr/>
+        <p:txBody>
+          <a:bodyPr/>
+          <a:lstStyle/>
+          <a:p>
+            <a:r>
+              <a:rPr lang="ru-RU" dirty="0" smtClean="0"/>
+              <a:t>Развертывание системы</a:t>
+            </a:r>
+            <a:endParaRPr lang="ru-RU" dirty="0"/>
+          </a:p>
+        </p:txBody>
+      </p:sp>
+      <p:sp>
+        <p:nvSpPr>
+          <p:cNvPr id="4" name="Rectangle 2"/>
+          <p:cNvSpPr>
+            <a:spLocks noChangeArrowheads="1"/>
+          </p:cNvSpPr>
+          <p:nvPr/>
+        </p:nvSpPr>
+        <p:spPr bwMode="auto">
+          <a:xfrm>
+            <a:off x="0" y="0"/>
+            <a:ext cx="9144000" cy="0"/>
+          </a:xfrm>
+          <a:prstGeom prst="rect">
+            <a:avLst/>
+          </a:prstGeom>
+          <a:noFill/>
+          <a:ln>
+            <a:noFill/>
+          </a:ln>
+          <a:effectLst/>
+          <a:extLst>
+            <a:ext uri="{909E8E84-426E-40DD-AFC4-6F175D3DCCD1}">
+              <a14:hiddenFill xmlns:a14="http://schemas.microsoft.com/office/drawing/2010/main">
+                <a:solidFill>
+                  <a:schemeClr val="accent1"/>
+                </a:solidFill>
+              </a14:hiddenFill>
+            </a:ext>
+            <a:ext uri="{91240B29-F687-4F45-9708-019B960494DF}">
+              <a14:hiddenLine xmlns:a14="http://schemas.microsoft.com/office/drawing/2010/main" w="9525">
+                <a:solidFill>
+                  <a:schemeClr val="tx1"/>
+                </a:solidFill>
+                <a:miter lim="800000"/>
+                <a:headEnd/>
+                <a:tailEnd/>
+              </a14:hiddenLine>
+            </a:ext>
+            <a:ext uri="{AF507438-7753-43E0-B8FC-AC1667EBCBE1}">
+              <a14:hiddenEffects xmlns:a14="http://schemas.microsoft.com/office/drawing/2010/main">
+                <a:effectLst>
+                  <a:outerShdw dist="35921" dir="2700000" algn="ctr" rotWithShape="0">
+                    <a:schemeClr val="bg2"/>
+                  </a:outerShdw>
+                </a:effectLst>
+              </a14:hiddenEffects>
+            </a:ext>
+          </a:extLst>
+        </p:spPr>
+        <p:txBody>
+          <a:bodyPr vert="horz" wrap="none" lIns="91440" tIns="45720" rIns="91440" bIns="45720" numCol="1" anchor="ctr" anchorCtr="0" compatLnSpc="1">
+            <a:prstTxWarp prst="textNoShape">
+              <a:avLst/>
+            </a:prstTxWarp>
+            <a:spAutoFit/>
+          </a:bodyPr>
+          <a:lstStyle/>
+          <a:p>
+            <a:endParaRPr lang="ru-RU"/>
+          </a:p>
+        </p:txBody>
+      </p:sp>
+      <p:sp>
+        <p:nvSpPr>
+          <p:cNvPr id="6" name="Номер слайда 5"/>
+          <p:cNvSpPr>
+            <a:spLocks noGrp="1"/>
+          </p:cNvSpPr>
+          <p:nvPr>
+            <p:ph type="sldNum" sz="quarter" idx="12"/>
+          </p:nvPr>
+        </p:nvSpPr>
+        <p:spPr/>
+        <p:txBody>
+          <a:bodyPr/>
+          <a:lstStyle/>
+          <a:p>
+            <a:fld id="{725C68B6-61C2-468F-89AB-4B9F7531AA68}" type="slidenum">
+              <a:rPr lang="ru-RU" smtClean="0"/>
+              <a:pPr/>
+              <a:t>16</a:t>
+            </a:fld>
+            <a:endParaRPr lang="ru-RU"/>
+          </a:p>
+        </p:txBody>
+      </p:sp>
+      <p:sp>
+        <p:nvSpPr>
+          <p:cNvPr id="3" name="Rectangle 18"/>
+          <p:cNvSpPr>
+            <a:spLocks noChangeArrowheads="1"/>
+          </p:cNvSpPr>
+          <p:nvPr/>
+        </p:nvSpPr>
+        <p:spPr bwMode="auto">
+          <a:xfrm>
+            <a:off x="0" y="0"/>
+            <a:ext cx="9144000" cy="0"/>
+          </a:xfrm>
+          <a:prstGeom prst="rect">
+            <a:avLst/>
+          </a:prstGeom>
+          <a:noFill/>
+          <a:ln>
+            <a:noFill/>
+          </a:ln>
+          <a:effectLst/>
+          <a:extLst>
+            <a:ext uri="{909E8E84-426E-40DD-AFC4-6F175D3DCCD1}">
+              <a14:hiddenFill xmlns:a14="http://schemas.microsoft.com/office/drawing/2010/main">
+                <a:solidFill>
+                  <a:schemeClr val="accent1"/>
+                </a:solidFill>
+              </a14:hiddenFill>
+            </a:ext>
+            <a:ext uri="{91240B29-F687-4F45-9708-019B960494DF}">
+              <a14:hiddenLine xmlns:a14="http://schemas.microsoft.com/office/drawing/2010/main" w="9525">
+                <a:solidFill>
+                  <a:schemeClr val="tx1"/>
+                </a:solidFill>
+                <a:miter lim="800000"/>
+                <a:headEnd/>
+                <a:tailEnd/>
+              </a14:hiddenLine>
+            </a:ext>
+            <a:ext uri="{AF507438-7753-43E0-B8FC-AC1667EBCBE1}">
+              <a14:hiddenEffects xmlns:a14="http://schemas.microsoft.com/office/drawing/2010/main">
+                <a:effectLst>
+                  <a:outerShdw dist="35921" dir="2700000" algn="ctr" rotWithShape="0">
+                    <a:schemeClr val="bg2"/>
+                  </a:outerShdw>
+                </a:effectLst>
+              </a14:hiddenEffects>
+            </a:ext>
+          </a:extLst>
+        </p:spPr>
+        <p:txBody>
+          <a:bodyPr vert="horz" wrap="none" lIns="91440" tIns="45720" rIns="91440" bIns="45720" numCol="1" anchor="ctr" anchorCtr="0" compatLnSpc="1">
+            <a:prstTxWarp prst="textNoShape">
+              <a:avLst/>
+            </a:prstTxWarp>
+            <a:spAutoFit/>
+          </a:bodyPr>
+          <a:lstStyle/>
+          <a:p>
+            <a:endParaRPr lang="ru-RU"/>
+          </a:p>
+        </p:txBody>
+      </p:sp>
+      <p:graphicFrame>
+        <p:nvGraphicFramePr>
+          <p:cNvPr id="7" name="Объект 6"/>
+          <p:cNvGraphicFramePr>
+            <a:graphicFrameLocks noChangeAspect="1"/>
+          </p:cNvGraphicFramePr>
+          <p:nvPr>
+            <p:extLst>
+              <p:ext uri="{D42A27DB-BD31-4B8C-83A1-F6EECF244321}">
+                <p14:modId xmlns:p14="http://schemas.microsoft.com/office/powerpoint/2010/main" val="4292827279"/>
+              </p:ext>
+            </p:extLst>
+          </p:nvPr>
+        </p:nvGraphicFramePr>
+        <p:xfrm>
+          <a:off x="1907704" y="1196752"/>
+          <a:ext cx="4983262" cy="5503185"/>
+        </p:xfrm>
+        <a:graphic>
+          <a:graphicData uri="http://schemas.openxmlformats.org/presentationml/2006/ole">
+            <mc:AlternateContent xmlns:mc="http://schemas.openxmlformats.org/markup-compatibility/2006">
+              <mc:Choice xmlns:v="urn:schemas-microsoft-com:vml" Requires="v">
+                <p:oleObj spid="_x0000_s24598" name="Visio" r:id="rId3" imgW="6863517" imgH="7579735" progId="Visio.Drawing.11">
+                  <p:embed/>
+                </p:oleObj>
+              </mc:Choice>
+              <mc:Fallback>
+                <p:oleObj name="Visio" r:id="rId3" imgW="6863517" imgH="7579735" progId="Visio.Drawing.11">
+                  <p:embed/>
+                  <p:pic>
+                    <p:nvPicPr>
+                      <p:cNvPr id="0" name="Object 17"/>
+                      <p:cNvPicPr>
+                        <a:picLocks noChangeAspect="1" noChangeArrowheads="1"/>
+                      </p:cNvPicPr>
+                      <p:nvPr/>
+                    </p:nvPicPr>
+                    <p:blipFill>
+                      <a:blip r:embed="rId4">
+                        <a:extLst>
+                          <a:ext uri="{28A0092B-C50C-407E-A947-70E740481C1C}">
+                            <a14:useLocalDpi xmlns:a14="http://schemas.microsoft.com/office/drawing/2010/main" val="0"/>
+                          </a:ext>
+                        </a:extLst>
+                      </a:blip>
+                      <a:srcRect/>
+                      <a:stretch>
+                        <a:fillRect/>
+                      </a:stretch>
+                    </p:blipFill>
+                    <p:spPr bwMode="auto">
+                      <a:xfrm>
+                        <a:off x="1907704" y="1196752"/>
+                        <a:ext cx="4983262" cy="5503185"/>
+                      </a:xfrm>
+                      <a:prstGeom prst="rect">
+                        <a:avLst/>
+                      </a:prstGeom>
+                      <a:noFill/>
+                    </p:spPr>
+                  </p:pic>
+                </p:oleObj>
+              </mc:Fallback>
+            </mc:AlternateContent>
+          </a:graphicData>
+        </a:graphic>
+      </p:graphicFrame>
+    </p:spTree>
+  </p:cSld>
+  <p:clrMapOvr>
+    <a:masterClrMapping/>
+  </p:clrMapOvr>
+</p:sld>
+</file>
+
+<file path=ppt/slides/slide17.xml><?xml version="1.0" encoding="utf-8"?>
 <p:sld xmlns:a="http://schemas.openxmlformats.org/drawingml/2006/main" xmlns:r="http://schemas.openxmlformats.org/officeDocument/2006/relationships" xmlns:p="http://schemas.openxmlformats.org/presentationml/2006/main">
   <p:cSld>
     <p:spTree>
@@ -4254,7 +4851,7 @@
             <a:fld id="{725C68B6-61C2-468F-89AB-4B9F7531AA68}" type="slidenum">
               <a:rPr lang="ru-RU" smtClean="0"/>
               <a:pPr/>
-              <a:t>14</a:t>
+              <a:t>17</a:t>
             </a:fld>
             <a:endParaRPr lang="ru-RU"/>
           </a:p>
@@ -4275,7 +4872,7 @@
 </p:sld>
 </file>
 
-<file path=ppt/slides/slide15.xml><?xml version="1.0" encoding="utf-8"?>
+<file path=ppt/slides/slide18.xml><?xml version="1.0" encoding="utf-8"?>
 <p:sld xmlns:a="http://schemas.openxmlformats.org/drawingml/2006/main" xmlns:r="http://schemas.openxmlformats.org/officeDocument/2006/relationships" xmlns:p="http://schemas.openxmlformats.org/presentationml/2006/main">
   <p:cSld>
     <p:spTree>
@@ -4341,13 +4938,8 @@
             </a:pPr>
             <a:r>
               <a:rPr lang="ru-RU" dirty="0" smtClean="0"/>
-              <a:t>Тесты для </a:t>
-            </a:r>
-            <a:r>
-              <a:rPr lang="ru-RU" dirty="0" smtClean="0"/>
-              <a:t>Диспетчерской АИС;</a:t>
-            </a:r>
-            <a:endParaRPr lang="ru-RU" dirty="0" smtClean="0"/>
+              <a:t>Тесты для Диспетчерской АИС;</a:t>
+            </a:r>
           </a:p>
           <a:p>
             <a:pPr>
@@ -4355,13 +4947,8 @@
             </a:pPr>
             <a:r>
               <a:rPr lang="ru-RU" dirty="0" smtClean="0"/>
-              <a:t>Тесты </a:t>
-            </a:r>
-            <a:r>
-              <a:rPr lang="ru-RU" dirty="0" smtClean="0"/>
-              <a:t>АИС Таксопарка;</a:t>
-            </a:r>
-            <a:endParaRPr lang="ru-RU" dirty="0" smtClean="0"/>
+              <a:t>Тесты АИС Таксопарка;</a:t>
+            </a:r>
           </a:p>
           <a:p>
             <a:pPr>
@@ -4380,11 +4967,7 @@
           <a:p>
             <a:r>
               <a:rPr lang="ru-RU" dirty="0" smtClean="0"/>
-              <a:t>Системное </a:t>
-            </a:r>
-            <a:r>
-              <a:rPr lang="ru-RU" dirty="0" smtClean="0"/>
-              <a:t>тестирование</a:t>
+              <a:t>Системное тестирование</a:t>
             </a:r>
             <a:endParaRPr lang="ru-RU" dirty="0"/>
           </a:p>
@@ -4408,7 +4991,7 @@
             <a:fld id="{725C68B6-61C2-468F-89AB-4B9F7531AA68}" type="slidenum">
               <a:rPr lang="ru-RU" smtClean="0"/>
               <a:pPr/>
-              <a:t>15</a:t>
+              <a:t>18</a:t>
             </a:fld>
             <a:endParaRPr lang="ru-RU"/>
           </a:p>
@@ -4429,7 +5012,7 @@
 </p:sld>
 </file>
 
-<file path=ppt/slides/slide16.xml><?xml version="1.0" encoding="utf-8"?>
+<file path=ppt/slides/slide19.xml><?xml version="1.0" encoding="utf-8"?>
 <p:sld xmlns:a="http://schemas.openxmlformats.org/drawingml/2006/main" xmlns:r="http://schemas.openxmlformats.org/officeDocument/2006/relationships" xmlns:p="http://schemas.openxmlformats.org/presentationml/2006/main">
   <p:cSld>
     <p:spTree>
@@ -4512,8 +5095,17 @@
             <a:pPr lvl="0"/>
             <a:r>
               <a:rPr lang="ru-RU" sz="2400" dirty="0" smtClean="0"/>
-              <a:t>Реализованы спроектированные систем;</a:t>
-            </a:r>
+              <a:t>Реализованы </a:t>
+            </a:r>
+            <a:r>
+              <a:rPr lang="ru-RU" sz="2400" smtClean="0"/>
+              <a:t>спроектированные </a:t>
+            </a:r>
+            <a:r>
+              <a:rPr lang="ru-RU" sz="2400" smtClean="0"/>
+              <a:t>системы;</a:t>
+            </a:r>
+            <a:endParaRPr lang="ru-RU" sz="2400" dirty="0" smtClean="0"/>
           </a:p>
           <a:p>
             <a:pPr lvl="0"/>
@@ -4552,7 +5144,7 @@
             <a:fld id="{725C68B6-61C2-468F-89AB-4B9F7531AA68}" type="slidenum">
               <a:rPr lang="ru-RU" smtClean="0"/>
               <a:pPr/>
-              <a:t>16</a:t>
+              <a:t>19</a:t>
             </a:fld>
             <a:endParaRPr lang="ru-RU"/>
           </a:p>
@@ -4635,19 +5227,7 @@
             </a:pPr>
             <a:r>
               <a:rPr lang="ru-RU" sz="1800" dirty="0" smtClean="0"/>
-              <a:t>Целью работы является создание распределённой системы </a:t>
-            </a:r>
-            <a:r>
-              <a:rPr lang="ru-RU" sz="1800" dirty="0" smtClean="0"/>
-              <a:t>обработки информации </a:t>
-            </a:r>
-            <a:r>
-              <a:rPr lang="ru-RU" sz="1800" dirty="0" smtClean="0"/>
-              <a:t>для </a:t>
-            </a:r>
-            <a:r>
-              <a:rPr lang="ru-RU" sz="1800" dirty="0" smtClean="0"/>
-              <a:t>возможности заказа такси через веб-интерфейс.</a:t>
+              <a:t>Целью работы является создание распределённой системы обработки информации для возможности заказа такси через веб-интерфейс.</a:t>
             </a:r>
             <a:endParaRPr lang="en-US" sz="1800" dirty="0" smtClean="0"/>
           </a:p>
@@ -4683,14 +5263,29 @@
             <a:pPr lvl="0"/>
             <a:r>
               <a:rPr lang="ru-RU" sz="1800" dirty="0" smtClean="0"/>
-              <a:t>Описание взаимодействия разрабатываемых систем;</a:t>
+              <a:t>Описание взаимодействия разрабатываемых систем</a:t>
+            </a:r>
+            <a:r>
+              <a:rPr lang="ru-RU" sz="1800" dirty="0" smtClean="0"/>
+              <a:t>;</a:t>
+            </a:r>
+            <a:endParaRPr lang="en-US" sz="1800" dirty="0" smtClean="0"/>
+          </a:p>
+          <a:p>
+            <a:r>
+              <a:rPr lang="ru-RU" sz="1800" dirty="0"/>
+              <a:t>Выделение основных составляющих в каждой системе и проектирования их взаимодействия;</a:t>
             </a:r>
           </a:p>
           <a:p>
             <a:pPr lvl="0"/>
             <a:r>
               <a:rPr lang="ru-RU" sz="1800" dirty="0" smtClean="0"/>
-              <a:t>Программная реализация спроектированных систем, модульное тестирование;</a:t>
+              <a:t>Программная </a:t>
+            </a:r>
+            <a:r>
+              <a:rPr lang="ru-RU" sz="1800" dirty="0" smtClean="0"/>
+              <a:t>реализация спроектированных систем, модульное тестирование;</a:t>
             </a:r>
           </a:p>
           <a:p>
@@ -4763,49 +5358,94 @@
         </p:nvSpPr>
         <p:spPr/>
         <p:txBody>
-          <a:bodyPr/>
+          <a:bodyPr>
+            <a:normAutofit fontScale="90000"/>
+          </a:bodyPr>
           <a:lstStyle/>
           <a:p>
             <a:r>
               <a:rPr lang="ru-RU" dirty="0" smtClean="0"/>
-              <a:t>Процессы предметной области</a:t>
+              <a:t>Процессы предметной </a:t>
+            </a:r>
+            <a:r>
+              <a:rPr lang="ru-RU" dirty="0" smtClean="0"/>
+              <a:t>области</a:t>
+            </a:r>
+            <a:r>
+              <a:rPr lang="en-US" dirty="0" smtClean="0"/>
+              <a:t/>
+            </a:r>
+            <a:br>
+              <a:rPr lang="en-US" dirty="0" smtClean="0"/>
+            </a:br>
+            <a:r>
+              <a:rPr lang="en-US" dirty="0" smtClean="0"/>
+              <a:t>(</a:t>
+            </a:r>
+            <a:r>
+              <a:rPr lang="ru-RU" dirty="0" smtClean="0"/>
+              <a:t>заказ такси)</a:t>
             </a:r>
             <a:endParaRPr lang="ru-RU" dirty="0"/>
+          </a:p>
+        </p:txBody>
+      </p:sp>
+      <p:sp>
+        <p:nvSpPr>
+          <p:cNvPr id="5" name="Номер слайда 4"/>
+          <p:cNvSpPr>
+            <a:spLocks noGrp="1"/>
+          </p:cNvSpPr>
+          <p:nvPr>
+            <p:ph type="sldNum" sz="quarter" idx="12"/>
+          </p:nvPr>
+        </p:nvSpPr>
+        <p:spPr/>
+        <p:txBody>
+          <a:bodyPr/>
+          <a:lstStyle/>
+          <a:p>
+            <a:fld id="{725C68B6-61C2-468F-89AB-4B9F7531AA68}" type="slidenum">
+              <a:rPr lang="ru-RU" smtClean="0"/>
+              <a:pPr/>
+              <a:t>3</a:t>
+            </a:fld>
+            <a:endParaRPr lang="ru-RU"/>
           </a:p>
         </p:txBody>
       </p:sp>
       <p:graphicFrame>
         <p:nvGraphicFramePr>
-          <p:cNvPr id="4" name="Объект 3"/>
+          <p:cNvPr id="3" name="Объект 2"/>
           <p:cNvGraphicFramePr>
             <a:graphicFrameLocks noChangeAspect="1"/>
           </p:cNvGraphicFramePr>
           <p:nvPr>
             <p:extLst>
               <p:ext uri="{D42A27DB-BD31-4B8C-83A1-F6EECF244321}">
-                <p14:modId xmlns:p14="http://schemas.microsoft.com/office/powerpoint/2010/main" val="3181246338"/>
+                <p14:modId xmlns:p14="http://schemas.microsoft.com/office/powerpoint/2010/main" val="3899882894"/>
               </p:ext>
             </p:extLst>
           </p:nvPr>
         </p:nvGraphicFramePr>
         <p:xfrm>
-          <a:off x="611560" y="1124744"/>
-          <a:ext cx="7848872" cy="5585876"/>
+          <a:off x="323528" y="1628799"/>
+          <a:ext cx="7776864" cy="5026531"/>
         </p:xfrm>
         <a:graphic>
           <a:graphicData uri="http://schemas.openxmlformats.org/presentationml/2006/ole">
             <mc:AlternateContent xmlns:mc="http://schemas.openxmlformats.org/markup-compatibility/2006">
               <mc:Choice xmlns:v="urn:schemas-microsoft-com:vml" Requires="v">
-                <p:oleObj spid="_x0000_s19479" name="Visio" r:id="rId3" imgW="9653356" imgH="7025291" progId="Visio.Drawing.11">
+                <p:oleObj spid="_x0000_s19490" name="Visio" r:id="rId3" imgW="9185278" imgH="5945287" progId="Visio.Drawing.11">
                   <p:embed/>
                 </p:oleObj>
               </mc:Choice>
               <mc:Fallback>
-                <p:oleObj name="Visio" r:id="rId3" imgW="9653356" imgH="7025291" progId="Visio.Drawing.11">
+                <p:oleObj name="Visio" r:id="rId3" imgW="9185278" imgH="5945287" progId="Visio.Drawing.11">
                   <p:embed/>
                   <p:pic>
                     <p:nvPicPr>
-                      <p:cNvPr id="0" name="Object 3"/>
+                      <p:cNvPr id="0" name="Object 25"/>
                       <p:cNvPicPr>
                         <a:picLocks noChangeAspect="1" noChangeArrowheads="1"/>
                       </p:cNvPicPr>
@@ -4826,8 +5466,8 @@
                     </p:blipFill>
                     <p:spPr bwMode="auto">
                       <a:xfrm>
-                        <a:off x="611560" y="1124744"/>
-                        <a:ext cx="7848872" cy="5585876"/>
+                        <a:off x="323528" y="1628799"/>
+                        <a:ext cx="7776864" cy="5026531"/>
                       </a:xfrm>
                       <a:prstGeom prst="rect">
                         <a:avLst/>
@@ -4841,30 +5481,6 @@
           </a:graphicData>
         </a:graphic>
       </p:graphicFrame>
-      <p:sp>
-        <p:nvSpPr>
-          <p:cNvPr id="5" name="Номер слайда 4"/>
-          <p:cNvSpPr>
-            <a:spLocks noGrp="1"/>
-          </p:cNvSpPr>
-          <p:nvPr>
-            <p:ph type="sldNum" sz="quarter" idx="12"/>
-          </p:nvPr>
-        </p:nvSpPr>
-        <p:spPr/>
-        <p:txBody>
-          <a:bodyPr/>
-          <a:lstStyle/>
-          <a:p>
-            <a:fld id="{725C68B6-61C2-468F-89AB-4B9F7531AA68}" type="slidenum">
-              <a:rPr lang="ru-RU" smtClean="0"/>
-              <a:pPr/>
-              <a:t>3</a:t>
-            </a:fld>
-            <a:endParaRPr lang="ru-RU"/>
-          </a:p>
-        </p:txBody>
-      </p:sp>
     </p:spTree>
   </p:cSld>
   <p:clrMapOvr>
@@ -4892,6 +5508,516 @@
       </p:grpSpPr>
       <p:sp>
         <p:nvSpPr>
+          <p:cNvPr id="4" name="Номер слайда 3"/>
+          <p:cNvSpPr>
+            <a:spLocks noGrp="1"/>
+          </p:cNvSpPr>
+          <p:nvPr>
+            <p:ph type="sldNum" sz="quarter" idx="12"/>
+          </p:nvPr>
+        </p:nvSpPr>
+        <p:spPr/>
+        <p:txBody>
+          <a:bodyPr/>
+          <a:lstStyle/>
+          <a:p>
+            <a:fld id="{725C68B6-61C2-468F-89AB-4B9F7531AA68}" type="slidenum">
+              <a:rPr lang="ru-RU" smtClean="0"/>
+              <a:pPr/>
+              <a:t>4</a:t>
+            </a:fld>
+            <a:endParaRPr lang="ru-RU"/>
+          </a:p>
+        </p:txBody>
+      </p:sp>
+      <p:sp>
+        <p:nvSpPr>
+          <p:cNvPr id="5" name="Заголовок 1"/>
+          <p:cNvSpPr>
+            <a:spLocks noGrp="1"/>
+          </p:cNvSpPr>
+          <p:nvPr>
+            <p:ph type="title"/>
+          </p:nvPr>
+        </p:nvSpPr>
+        <p:spPr>
+          <a:xfrm>
+            <a:off x="457200" y="274638"/>
+            <a:ext cx="8229600" cy="1143000"/>
+          </a:xfrm>
+        </p:spPr>
+        <p:txBody>
+          <a:bodyPr>
+            <a:normAutofit fontScale="90000"/>
+          </a:bodyPr>
+          <a:lstStyle/>
+          <a:p>
+            <a:r>
+              <a:rPr lang="ru-RU" dirty="0" smtClean="0"/>
+              <a:t>Процессы предметной </a:t>
+            </a:r>
+            <a:r>
+              <a:rPr lang="ru-RU" dirty="0" smtClean="0"/>
+              <a:t>области</a:t>
+            </a:r>
+            <a:r>
+              <a:rPr lang="en-US" dirty="0" smtClean="0"/>
+              <a:t/>
+            </a:r>
+            <a:br>
+              <a:rPr lang="en-US" dirty="0" smtClean="0"/>
+            </a:br>
+            <a:r>
+              <a:rPr lang="en-US" dirty="0" smtClean="0"/>
+              <a:t>(</a:t>
+            </a:r>
+            <a:r>
+              <a:rPr lang="ru-RU" dirty="0" smtClean="0"/>
+              <a:t>статус заказа)</a:t>
+            </a:r>
+            <a:endParaRPr lang="ru-RU" dirty="0"/>
+          </a:p>
+        </p:txBody>
+      </p:sp>
+      <p:graphicFrame>
+        <p:nvGraphicFramePr>
+          <p:cNvPr id="6" name="Объект 5"/>
+          <p:cNvGraphicFramePr>
+            <a:graphicFrameLocks noChangeAspect="1"/>
+          </p:cNvGraphicFramePr>
+          <p:nvPr>
+            <p:extLst>
+              <p:ext uri="{D42A27DB-BD31-4B8C-83A1-F6EECF244321}">
+                <p14:modId xmlns:p14="http://schemas.microsoft.com/office/powerpoint/2010/main" val="3504694137"/>
+              </p:ext>
+            </p:extLst>
+          </p:nvPr>
+        </p:nvGraphicFramePr>
+        <p:xfrm>
+          <a:off x="430212" y="1560513"/>
+          <a:ext cx="7958211" cy="5143366"/>
+        </p:xfrm>
+        <a:graphic>
+          <a:graphicData uri="http://schemas.openxmlformats.org/presentationml/2006/ole">
+            <mc:AlternateContent xmlns:mc="http://schemas.openxmlformats.org/markup-compatibility/2006">
+              <mc:Choice xmlns:v="urn:schemas-microsoft-com:vml" Requires="v">
+                <p:oleObj spid="_x0000_s25610" name="Visio" r:id="rId3" imgW="9185278" imgH="5945287" progId="Visio.Drawing.11">
+                  <p:embed/>
+                </p:oleObj>
+              </mc:Choice>
+              <mc:Fallback>
+                <p:oleObj name="Visio" r:id="rId3" imgW="9185278" imgH="5945287" progId="Visio.Drawing.11">
+                  <p:embed/>
+                  <p:pic>
+                    <p:nvPicPr>
+                      <p:cNvPr id="0" name="Object 2"/>
+                      <p:cNvPicPr>
+                        <a:picLocks noChangeAspect="1" noChangeArrowheads="1"/>
+                      </p:cNvPicPr>
+                      <p:nvPr/>
+                    </p:nvPicPr>
+                    <p:blipFill>
+                      <a:blip r:embed="rId4">
+                        <a:extLst>
+                          <a:ext uri="{28A0092B-C50C-407E-A947-70E740481C1C}">
+                            <a14:useLocalDpi xmlns:a14="http://schemas.microsoft.com/office/drawing/2010/main" val="0"/>
+                          </a:ext>
+                        </a:extLst>
+                      </a:blip>
+                      <a:srcRect/>
+                      <a:stretch>
+                        <a:fillRect/>
+                      </a:stretch>
+                    </p:blipFill>
+                    <p:spPr bwMode="auto">
+                      <a:xfrm>
+                        <a:off x="430212" y="1560513"/>
+                        <a:ext cx="7958211" cy="5143366"/>
+                      </a:xfrm>
+                      <a:prstGeom prst="rect">
+                        <a:avLst/>
+                      </a:prstGeom>
+                      <a:noFill/>
+                    </p:spPr>
+                  </p:pic>
+                </p:oleObj>
+              </mc:Fallback>
+            </mc:AlternateContent>
+          </a:graphicData>
+        </a:graphic>
+      </p:graphicFrame>
+    </p:spTree>
+    <p:extLst>
+      <p:ext uri="{BB962C8B-B14F-4D97-AF65-F5344CB8AC3E}">
+        <p14:creationId xmlns:p14="http://schemas.microsoft.com/office/powerpoint/2010/main" val="270612741"/>
+      </p:ext>
+    </p:extLst>
+  </p:cSld>
+  <p:clrMapOvr>
+    <a:masterClrMapping/>
+  </p:clrMapOvr>
+</p:sld>
+</file>
+
+<file path=ppt/slides/slide5.xml><?xml version="1.0" encoding="utf-8"?>
+<p:sld xmlns:a="http://schemas.openxmlformats.org/drawingml/2006/main" xmlns:r="http://schemas.openxmlformats.org/officeDocument/2006/relationships" xmlns:p="http://schemas.openxmlformats.org/presentationml/2006/main">
+  <p:cSld>
+    <p:spTree>
+      <p:nvGrpSpPr>
+        <p:cNvPr id="1" name=""/>
+        <p:cNvGrpSpPr/>
+        <p:nvPr/>
+      </p:nvGrpSpPr>
+      <p:grpSpPr>
+        <a:xfrm>
+          <a:off x="0" y="0"/>
+          <a:ext cx="0" cy="0"/>
+          <a:chOff x="0" y="0"/>
+          <a:chExt cx="0" cy="0"/>
+        </a:xfrm>
+      </p:grpSpPr>
+      <p:sp>
+        <p:nvSpPr>
+          <p:cNvPr id="4" name="Номер слайда 3"/>
+          <p:cNvSpPr>
+            <a:spLocks noGrp="1"/>
+          </p:cNvSpPr>
+          <p:nvPr>
+            <p:ph type="sldNum" sz="quarter" idx="12"/>
+          </p:nvPr>
+        </p:nvSpPr>
+        <p:spPr/>
+        <p:txBody>
+          <a:bodyPr/>
+          <a:lstStyle/>
+          <a:p>
+            <a:fld id="{725C68B6-61C2-468F-89AB-4B9F7531AA68}" type="slidenum">
+              <a:rPr lang="ru-RU" smtClean="0"/>
+              <a:pPr/>
+              <a:t>5</a:t>
+            </a:fld>
+            <a:endParaRPr lang="ru-RU"/>
+          </a:p>
+        </p:txBody>
+      </p:sp>
+      <p:sp>
+        <p:nvSpPr>
+          <p:cNvPr id="5" name="Заголовок 1"/>
+          <p:cNvSpPr>
+            <a:spLocks noGrp="1"/>
+          </p:cNvSpPr>
+          <p:nvPr>
+            <p:ph type="title"/>
+          </p:nvPr>
+        </p:nvSpPr>
+        <p:spPr>
+          <a:xfrm>
+            <a:off x="457200" y="274638"/>
+            <a:ext cx="8229600" cy="1143000"/>
+          </a:xfrm>
+        </p:spPr>
+        <p:txBody>
+          <a:bodyPr>
+            <a:normAutofit fontScale="90000"/>
+          </a:bodyPr>
+          <a:lstStyle/>
+          <a:p>
+            <a:r>
+              <a:rPr lang="ru-RU" dirty="0" smtClean="0"/>
+              <a:t>Процессы предметной </a:t>
+            </a:r>
+            <a:r>
+              <a:rPr lang="ru-RU" dirty="0" smtClean="0"/>
+              <a:t>области</a:t>
+            </a:r>
+            <a:r>
+              <a:rPr lang="en-US" dirty="0" smtClean="0"/>
+              <a:t/>
+            </a:r>
+            <a:br>
+              <a:rPr lang="en-US" dirty="0" smtClean="0"/>
+            </a:br>
+            <a:r>
+              <a:rPr lang="en-US" dirty="0" smtClean="0"/>
+              <a:t>(</a:t>
+            </a:r>
+            <a:r>
+              <a:rPr lang="ru-RU" dirty="0" smtClean="0"/>
+              <a:t>история заказов)</a:t>
+            </a:r>
+            <a:endParaRPr lang="ru-RU" dirty="0"/>
+          </a:p>
+        </p:txBody>
+      </p:sp>
+      <p:graphicFrame>
+        <p:nvGraphicFramePr>
+          <p:cNvPr id="6" name="Объект 5"/>
+          <p:cNvGraphicFramePr>
+            <a:graphicFrameLocks noChangeAspect="1"/>
+          </p:cNvGraphicFramePr>
+          <p:nvPr>
+            <p:extLst>
+              <p:ext uri="{D42A27DB-BD31-4B8C-83A1-F6EECF244321}">
+                <p14:modId xmlns:p14="http://schemas.microsoft.com/office/powerpoint/2010/main" val="3260369829"/>
+              </p:ext>
+            </p:extLst>
+          </p:nvPr>
+        </p:nvGraphicFramePr>
+        <p:xfrm>
+          <a:off x="530225" y="1457324"/>
+          <a:ext cx="7841053" cy="5068019"/>
+        </p:xfrm>
+        <a:graphic>
+          <a:graphicData uri="http://schemas.openxmlformats.org/presentationml/2006/ole">
+            <mc:AlternateContent xmlns:mc="http://schemas.openxmlformats.org/markup-compatibility/2006">
+              <mc:Choice xmlns:v="urn:schemas-microsoft-com:vml" Requires="v">
+                <p:oleObj spid="_x0000_s26632" name="Visio" r:id="rId3" imgW="9185278" imgH="5945287" progId="Visio.Drawing.11">
+                  <p:embed/>
+                </p:oleObj>
+              </mc:Choice>
+              <mc:Fallback>
+                <p:oleObj name="Visio" r:id="rId3" imgW="9185278" imgH="5945287" progId="Visio.Drawing.11">
+                  <p:embed/>
+                  <p:pic>
+                    <p:nvPicPr>
+                      <p:cNvPr id="0" name="Object 2"/>
+                      <p:cNvPicPr>
+                        <a:picLocks noChangeAspect="1" noChangeArrowheads="1"/>
+                      </p:cNvPicPr>
+                      <p:nvPr/>
+                    </p:nvPicPr>
+                    <p:blipFill>
+                      <a:blip r:embed="rId4">
+                        <a:extLst>
+                          <a:ext uri="{28A0092B-C50C-407E-A947-70E740481C1C}">
+                            <a14:useLocalDpi xmlns:a14="http://schemas.microsoft.com/office/drawing/2010/main" val="0"/>
+                          </a:ext>
+                        </a:extLst>
+                      </a:blip>
+                      <a:srcRect/>
+                      <a:stretch>
+                        <a:fillRect/>
+                      </a:stretch>
+                    </p:blipFill>
+                    <p:spPr bwMode="auto">
+                      <a:xfrm>
+                        <a:off x="530225" y="1457324"/>
+                        <a:ext cx="7841053" cy="5068019"/>
+                      </a:xfrm>
+                      <a:prstGeom prst="rect">
+                        <a:avLst/>
+                      </a:prstGeom>
+                      <a:noFill/>
+                    </p:spPr>
+                  </p:pic>
+                </p:oleObj>
+              </mc:Fallback>
+            </mc:AlternateContent>
+          </a:graphicData>
+        </a:graphic>
+      </p:graphicFrame>
+    </p:spTree>
+    <p:extLst>
+      <p:ext uri="{BB962C8B-B14F-4D97-AF65-F5344CB8AC3E}">
+        <p14:creationId xmlns:p14="http://schemas.microsoft.com/office/powerpoint/2010/main" val="310340348"/>
+      </p:ext>
+    </p:extLst>
+  </p:cSld>
+  <p:clrMapOvr>
+    <a:masterClrMapping/>
+  </p:clrMapOvr>
+</p:sld>
+</file>
+
+<file path=ppt/slides/slide6.xml><?xml version="1.0" encoding="utf-8"?>
+<p:sld xmlns:a="http://schemas.openxmlformats.org/drawingml/2006/main" xmlns:r="http://schemas.openxmlformats.org/officeDocument/2006/relationships" xmlns:p="http://schemas.openxmlformats.org/presentationml/2006/main">
+  <p:cSld>
+    <p:spTree>
+      <p:nvGrpSpPr>
+        <p:cNvPr id="1" name=""/>
+        <p:cNvGrpSpPr/>
+        <p:nvPr/>
+      </p:nvGrpSpPr>
+      <p:grpSpPr>
+        <a:xfrm>
+          <a:off x="0" y="0"/>
+          <a:ext cx="0" cy="0"/>
+          <a:chOff x="0" y="0"/>
+          <a:chExt cx="0" cy="0"/>
+        </a:xfrm>
+      </p:grpSpPr>
+      <p:sp>
+        <p:nvSpPr>
+          <p:cNvPr id="4" name="Номер слайда 3"/>
+          <p:cNvSpPr>
+            <a:spLocks noGrp="1"/>
+          </p:cNvSpPr>
+          <p:nvPr>
+            <p:ph type="sldNum" sz="quarter" idx="12"/>
+          </p:nvPr>
+        </p:nvSpPr>
+        <p:spPr/>
+        <p:txBody>
+          <a:bodyPr/>
+          <a:lstStyle/>
+          <a:p>
+            <a:fld id="{725C68B6-61C2-468F-89AB-4B9F7531AA68}" type="slidenum">
+              <a:rPr lang="ru-RU" smtClean="0"/>
+              <a:pPr/>
+              <a:t>6</a:t>
+            </a:fld>
+            <a:endParaRPr lang="ru-RU"/>
+          </a:p>
+        </p:txBody>
+      </p:sp>
+      <p:sp>
+        <p:nvSpPr>
+          <p:cNvPr id="5" name="Заголовок 1"/>
+          <p:cNvSpPr>
+            <a:spLocks noGrp="1"/>
+          </p:cNvSpPr>
+          <p:nvPr>
+            <p:ph type="title"/>
+          </p:nvPr>
+        </p:nvSpPr>
+        <p:spPr>
+          <a:xfrm>
+            <a:off x="457200" y="274638"/>
+            <a:ext cx="8229600" cy="1143000"/>
+          </a:xfrm>
+        </p:spPr>
+        <p:txBody>
+          <a:bodyPr>
+            <a:normAutofit fontScale="90000"/>
+          </a:bodyPr>
+          <a:lstStyle/>
+          <a:p>
+            <a:r>
+              <a:rPr lang="ru-RU" dirty="0" smtClean="0"/>
+              <a:t>Процессы предметной </a:t>
+            </a:r>
+            <a:r>
+              <a:rPr lang="ru-RU" dirty="0" smtClean="0"/>
+              <a:t>области</a:t>
+            </a:r>
+            <a:r>
+              <a:rPr lang="en-US" dirty="0" smtClean="0"/>
+              <a:t/>
+            </a:r>
+            <a:br>
+              <a:rPr lang="en-US" dirty="0" smtClean="0"/>
+            </a:br>
+            <a:r>
+              <a:rPr lang="en-US" dirty="0" smtClean="0"/>
+              <a:t>(</a:t>
+            </a:r>
+            <a:r>
+              <a:rPr lang="ru-RU" dirty="0" smtClean="0"/>
+              <a:t>отмена заказа)</a:t>
+            </a:r>
+            <a:endParaRPr lang="ru-RU" dirty="0"/>
+          </a:p>
+        </p:txBody>
+      </p:sp>
+      <p:graphicFrame>
+        <p:nvGraphicFramePr>
+          <p:cNvPr id="6" name="Объект 5"/>
+          <p:cNvGraphicFramePr>
+            <a:graphicFrameLocks noChangeAspect="1"/>
+          </p:cNvGraphicFramePr>
+          <p:nvPr>
+            <p:extLst>
+              <p:ext uri="{D42A27DB-BD31-4B8C-83A1-F6EECF244321}">
+                <p14:modId xmlns:p14="http://schemas.microsoft.com/office/powerpoint/2010/main" val="3151690276"/>
+              </p:ext>
+            </p:extLst>
+          </p:nvPr>
+        </p:nvGraphicFramePr>
+        <p:xfrm>
+          <a:off x="635000" y="1609724"/>
+          <a:ext cx="7825432" cy="5059083"/>
+        </p:xfrm>
+        <a:graphic>
+          <a:graphicData uri="http://schemas.openxmlformats.org/presentationml/2006/ole">
+            <mc:AlternateContent xmlns:mc="http://schemas.openxmlformats.org/markup-compatibility/2006">
+              <mc:Choice xmlns:v="urn:schemas-microsoft-com:vml" Requires="v">
+                <p:oleObj spid="_x0000_s27655" name="Visio" r:id="rId3" imgW="9185278" imgH="5945287" progId="Visio.Drawing.11">
+                  <p:embed/>
+                </p:oleObj>
+              </mc:Choice>
+              <mc:Fallback>
+                <p:oleObj name="Visio" r:id="rId3" imgW="9185278" imgH="5945287" progId="Visio.Drawing.11">
+                  <p:embed/>
+                  <p:pic>
+                    <p:nvPicPr>
+                      <p:cNvPr id="0" name="Object 2"/>
+                      <p:cNvPicPr>
+                        <a:picLocks noChangeAspect="1" noChangeArrowheads="1"/>
+                      </p:cNvPicPr>
+                      <p:nvPr/>
+                    </p:nvPicPr>
+                    <p:blipFill>
+                      <a:blip r:embed="rId4">
+                        <a:extLst>
+                          <a:ext uri="{28A0092B-C50C-407E-A947-70E740481C1C}">
+                            <a14:useLocalDpi xmlns:a14="http://schemas.microsoft.com/office/drawing/2010/main" val="0"/>
+                          </a:ext>
+                        </a:extLst>
+                      </a:blip>
+                      <a:srcRect/>
+                      <a:stretch>
+                        <a:fillRect/>
+                      </a:stretch>
+                    </p:blipFill>
+                    <p:spPr bwMode="auto">
+                      <a:xfrm>
+                        <a:off x="635000" y="1609724"/>
+                        <a:ext cx="7825432" cy="5059083"/>
+                      </a:xfrm>
+                      <a:prstGeom prst="rect">
+                        <a:avLst/>
+                      </a:prstGeom>
+                      <a:noFill/>
+                    </p:spPr>
+                  </p:pic>
+                </p:oleObj>
+              </mc:Fallback>
+            </mc:AlternateContent>
+          </a:graphicData>
+        </a:graphic>
+      </p:graphicFrame>
+    </p:spTree>
+    <p:extLst>
+      <p:ext uri="{BB962C8B-B14F-4D97-AF65-F5344CB8AC3E}">
+        <p14:creationId xmlns:p14="http://schemas.microsoft.com/office/powerpoint/2010/main" val="2972785199"/>
+      </p:ext>
+    </p:extLst>
+  </p:cSld>
+  <p:clrMapOvr>
+    <a:masterClrMapping/>
+  </p:clrMapOvr>
+</p:sld>
+</file>
+
+<file path=ppt/slides/slide7.xml><?xml version="1.0" encoding="utf-8"?>
+<p:sld xmlns:a="http://schemas.openxmlformats.org/drawingml/2006/main" xmlns:r="http://schemas.openxmlformats.org/officeDocument/2006/relationships" xmlns:p="http://schemas.openxmlformats.org/presentationml/2006/main">
+  <p:cSld>
+    <p:spTree>
+      <p:nvGrpSpPr>
+        <p:cNvPr id="1" name=""/>
+        <p:cNvGrpSpPr/>
+        <p:nvPr/>
+      </p:nvGrpSpPr>
+      <p:grpSpPr>
+        <a:xfrm>
+          <a:off x="0" y="0"/>
+          <a:ext cx="0" cy="0"/>
+          <a:chOff x="0" y="0"/>
+          <a:chExt cx="0" cy="0"/>
+        </a:xfrm>
+      </p:grpSpPr>
+      <p:sp>
+        <p:nvSpPr>
           <p:cNvPr id="2" name="Заголовок 1"/>
           <p:cNvSpPr>
             <a:spLocks noGrp="1"/>
@@ -4902,14 +6028,99 @@
         </p:nvSpPr>
         <p:spPr/>
         <p:txBody>
-          <a:bodyPr/>
+          <a:bodyPr>
+            <a:normAutofit fontScale="90000"/>
+          </a:bodyPr>
           <a:lstStyle/>
           <a:p>
             <a:r>
               <a:rPr lang="ru-RU" dirty="0" smtClean="0"/>
-              <a:t>Сущности заявок в системе</a:t>
+              <a:t>Взаимодействие подсистем</a:t>
+            </a:r>
+            <a:br>
+              <a:rPr lang="ru-RU" dirty="0" smtClean="0"/>
+            </a:br>
+            <a:r>
+              <a:rPr lang="ru-RU" dirty="0" smtClean="0"/>
+              <a:t>(заказ такси)</a:t>
             </a:r>
             <a:endParaRPr lang="ru-RU" dirty="0"/>
+          </a:p>
+        </p:txBody>
+      </p:sp>
+      <p:sp>
+        <p:nvSpPr>
+          <p:cNvPr id="3074" name="Rectangle 2"/>
+          <p:cNvSpPr>
+            <a:spLocks noChangeArrowheads="1"/>
+          </p:cNvSpPr>
+          <p:nvPr/>
+        </p:nvSpPr>
+        <p:spPr bwMode="auto">
+          <a:xfrm>
+            <a:off x="0" y="0"/>
+            <a:ext cx="9144000" cy="0"/>
+          </a:xfrm>
+          <a:prstGeom prst="rect">
+            <a:avLst/>
+          </a:prstGeom>
+          <a:noFill/>
+          <a:ln w="9525">
+            <a:noFill/>
+            <a:miter lim="800000"/>
+            <a:headEnd/>
+            <a:tailEnd/>
+          </a:ln>
+          <a:effectLst/>
+        </p:spPr>
+        <p:txBody>
+          <a:bodyPr vert="horz" wrap="none" lIns="91440" tIns="45720" rIns="91440" bIns="45720" numCol="1" anchor="ctr" anchorCtr="0" compatLnSpc="1">
+            <a:prstTxWarp prst="textNoShape">
+              <a:avLst/>
+            </a:prstTxWarp>
+            <a:spAutoFit/>
+          </a:bodyPr>
+          <a:lstStyle/>
+          <a:p>
+            <a:endParaRPr lang="ru-RU"/>
+          </a:p>
+        </p:txBody>
+      </p:sp>
+      <p:sp>
+        <p:nvSpPr>
+          <p:cNvPr id="3075" name="Rectangle 3"/>
+          <p:cNvSpPr>
+            <a:spLocks noChangeArrowheads="1"/>
+          </p:cNvSpPr>
+          <p:nvPr/>
+        </p:nvSpPr>
+        <p:spPr bwMode="auto">
+          <a:xfrm>
+            <a:off x="0" y="0"/>
+            <a:ext cx="9144000" cy="0"/>
+          </a:xfrm>
+          <a:prstGeom prst="rect">
+            <a:avLst/>
+          </a:prstGeom>
+          <a:noFill/>
+          <a:ln w="9525">
+            <a:noFill/>
+            <a:miter lim="800000"/>
+            <a:headEnd/>
+            <a:tailEnd/>
+          </a:ln>
+          <a:effectLst/>
+        </p:spPr>
+        <p:txBody>
+          <a:bodyPr vert="horz" wrap="none" lIns="91440" tIns="45720" rIns="91440" bIns="45720" numCol="1" anchor="ctr" anchorCtr="0" compatLnSpc="1">
+            <a:prstTxWarp prst="textNoShape">
+              <a:avLst/>
+            </a:prstTxWarp>
+            <a:spAutoFit/>
+          </a:bodyPr>
+          <a:lstStyle/>
+          <a:p>
+            <a:endParaRPr lang="ru-RU"/>
           </a:p>
         </p:txBody>
       </p:sp>
@@ -4922,20 +6133,199 @@
           <p:nvPr>
             <p:extLst>
               <p:ext uri="{D42A27DB-BD31-4B8C-83A1-F6EECF244321}">
-                <p14:modId xmlns:p14="http://schemas.microsoft.com/office/powerpoint/2010/main" val="2520336401"/>
+                <p14:modId xmlns:p14="http://schemas.microsoft.com/office/powerpoint/2010/main" val="3354287356"/>
               </p:ext>
             </p:extLst>
           </p:nvPr>
         </p:nvGraphicFramePr>
         <p:xfrm>
-          <a:off x="611560" y="1340768"/>
-          <a:ext cx="7488832" cy="5354360"/>
+          <a:off x="1760538" y="409575"/>
+          <a:ext cx="5937250" cy="6032500"/>
         </p:xfrm>
         <a:graphic>
           <a:graphicData uri="http://schemas.openxmlformats.org/presentationml/2006/ole">
             <mc:AlternateContent xmlns:mc="http://schemas.openxmlformats.org/markup-compatibility/2006">
               <mc:Choice xmlns:v="urn:schemas-microsoft-com:vml" Requires="v">
-                <p:oleObj spid="_x0000_s20500" name="Visio" r:id="rId3" imgW="9340764" imgH="6685715" progId="Visio.Drawing.11">
+                <p:oleObj spid="_x0000_s3109" name="Visio" r:id="rId3" imgW="5920883" imgH="6019519" progId="Visio.Drawing.11">
+                  <p:embed/>
+                </p:oleObj>
+              </mc:Choice>
+              <mc:Fallback>
+                <p:oleObj name="Visio" r:id="rId3" imgW="5920883" imgH="6019519" progId="Visio.Drawing.11">
+                  <p:embed/>
+                  <p:pic>
+                    <p:nvPicPr>
+                      <p:cNvPr id="0" name="Object 9"/>
+                      <p:cNvPicPr>
+                        <a:picLocks noChangeAspect="1" noChangeArrowheads="1"/>
+                      </p:cNvPicPr>
+                      <p:nvPr/>
+                    </p:nvPicPr>
+                    <p:blipFill>
+                      <a:blip r:embed="rId4"/>
+                      <a:srcRect/>
+                      <a:stretch>
+                        <a:fillRect/>
+                      </a:stretch>
+                    </p:blipFill>
+                    <p:spPr bwMode="auto">
+                      <a:xfrm>
+                        <a:off x="1760538" y="409575"/>
+                        <a:ext cx="5937250" cy="6032500"/>
+                      </a:xfrm>
+                      <a:prstGeom prst="rect">
+                        <a:avLst/>
+                      </a:prstGeom>
+                      <a:noFill/>
+                      <a:extLst>
+                        <a:ext uri="{909E8E84-426E-40DD-AFC4-6F175D3DCCD1}">
+                          <a14:hiddenFill xmlns:a14="http://schemas.microsoft.com/office/drawing/2010/main">
+                            <a:solidFill>
+                              <a:srgbClr val="FFFFFF"/>
+                            </a:solidFill>
+                          </a14:hiddenFill>
+                        </a:ext>
+                      </a:extLst>
+                    </p:spPr>
+                  </p:pic>
+                </p:oleObj>
+              </mc:Fallback>
+            </mc:AlternateContent>
+          </a:graphicData>
+        </a:graphic>
+      </p:graphicFrame>
+      <p:sp>
+        <p:nvSpPr>
+          <p:cNvPr id="5" name="Номер слайда 4"/>
+          <p:cNvSpPr>
+            <a:spLocks noGrp="1"/>
+          </p:cNvSpPr>
+          <p:nvPr>
+            <p:ph type="sldNum" sz="quarter" idx="12"/>
+          </p:nvPr>
+        </p:nvSpPr>
+        <p:spPr/>
+        <p:txBody>
+          <a:bodyPr/>
+          <a:lstStyle/>
+          <a:p>
+            <a:fld id="{725C68B6-61C2-468F-89AB-4B9F7531AA68}" type="slidenum">
+              <a:rPr lang="ru-RU" smtClean="0"/>
+              <a:pPr/>
+              <a:t>7</a:t>
+            </a:fld>
+            <a:endParaRPr lang="ru-RU"/>
+          </a:p>
+        </p:txBody>
+      </p:sp>
+    </p:spTree>
+  </p:cSld>
+  <p:clrMapOvr>
+    <a:masterClrMapping/>
+  </p:clrMapOvr>
+</p:sld>
+</file>
+
+<file path=ppt/slides/slide8.xml><?xml version="1.0" encoding="utf-8"?>
+<p:sld xmlns:a="http://schemas.openxmlformats.org/drawingml/2006/main" xmlns:r="http://schemas.openxmlformats.org/officeDocument/2006/relationships" xmlns:p="http://schemas.openxmlformats.org/presentationml/2006/main">
+  <p:cSld>
+    <p:spTree>
+      <p:nvGrpSpPr>
+        <p:cNvPr id="1" name=""/>
+        <p:cNvGrpSpPr/>
+        <p:nvPr/>
+      </p:nvGrpSpPr>
+      <p:grpSpPr>
+        <a:xfrm>
+          <a:off x="0" y="0"/>
+          <a:ext cx="0" cy="0"/>
+          <a:chOff x="0" y="0"/>
+          <a:chExt cx="0" cy="0"/>
+        </a:xfrm>
+      </p:grpSpPr>
+      <p:sp>
+        <p:nvSpPr>
+          <p:cNvPr id="2" name="Заголовок 1"/>
+          <p:cNvSpPr>
+            <a:spLocks noGrp="1"/>
+          </p:cNvSpPr>
+          <p:nvPr>
+            <p:ph type="title"/>
+          </p:nvPr>
+        </p:nvSpPr>
+        <p:spPr/>
+        <p:txBody>
+          <a:bodyPr>
+            <a:normAutofit fontScale="90000"/>
+          </a:bodyPr>
+          <a:lstStyle/>
+          <a:p>
+            <a:r>
+              <a:rPr lang="en-US" dirty="0" smtClean="0"/>
+              <a:t>ER-</a:t>
+            </a:r>
+            <a:r>
+              <a:rPr lang="ru-RU" dirty="0" smtClean="0"/>
+              <a:t>Диаграмма</a:t>
+            </a:r>
+            <a:br>
+              <a:rPr lang="ru-RU" dirty="0" smtClean="0"/>
+            </a:br>
+            <a:r>
+              <a:rPr lang="ru-RU" dirty="0" smtClean="0"/>
+              <a:t>(Диспетчерская АИС)</a:t>
+            </a:r>
+            <a:endParaRPr lang="ru-RU" dirty="0"/>
+          </a:p>
+        </p:txBody>
+      </p:sp>
+      <p:sp>
+        <p:nvSpPr>
+          <p:cNvPr id="4" name="Номер слайда 3"/>
+          <p:cNvSpPr>
+            <a:spLocks noGrp="1"/>
+          </p:cNvSpPr>
+          <p:nvPr>
+            <p:ph type="sldNum" sz="quarter" idx="12"/>
+          </p:nvPr>
+        </p:nvSpPr>
+        <p:spPr/>
+        <p:txBody>
+          <a:bodyPr/>
+          <a:lstStyle/>
+          <a:p>
+            <a:fld id="{725C68B6-61C2-468F-89AB-4B9F7531AA68}" type="slidenum">
+              <a:rPr lang="ru-RU" smtClean="0"/>
+              <a:pPr/>
+              <a:t>8</a:t>
+            </a:fld>
+            <a:endParaRPr lang="ru-RU"/>
+          </a:p>
+        </p:txBody>
+      </p:sp>
+      <p:graphicFrame>
+        <p:nvGraphicFramePr>
+          <p:cNvPr id="5" name="Объект 4"/>
+          <p:cNvGraphicFramePr>
+            <a:graphicFrameLocks noChangeAspect="1"/>
+          </p:cNvGraphicFramePr>
+          <p:nvPr>
+            <p:extLst>
+              <p:ext uri="{D42A27DB-BD31-4B8C-83A1-F6EECF244321}">
+                <p14:modId xmlns:p14="http://schemas.microsoft.com/office/powerpoint/2010/main" val="3078059139"/>
+              </p:ext>
+            </p:extLst>
+          </p:nvPr>
+        </p:nvGraphicFramePr>
+        <p:xfrm>
+          <a:off x="611560" y="620688"/>
+          <a:ext cx="9053314" cy="6480720"/>
+        </p:xfrm>
+        <a:graphic>
+          <a:graphicData uri="http://schemas.openxmlformats.org/presentationml/2006/ole">
+            <mc:AlternateContent xmlns:mc="http://schemas.openxmlformats.org/markup-compatibility/2006">
+              <mc:Choice xmlns:v="urn:schemas-microsoft-com:vml" Requires="v">
+                <p:oleObj spid="_x0000_s28677" name="Visio" r:id="rId3" imgW="9340764" imgH="6685715" progId="Visio.Drawing.11">
                   <p:embed/>
                 </p:oleObj>
               </mc:Choice>
@@ -4965,8 +6355,8 @@
                     </p:blipFill>
                     <p:spPr bwMode="auto">
                       <a:xfrm>
-                        <a:off x="611560" y="1340768"/>
-                        <a:ext cx="7488832" cy="5354360"/>
+                        <a:off x="611560" y="620688"/>
+                        <a:ext cx="9053314" cy="6480720"/>
                       </a:xfrm>
                       <a:prstGeom prst="rect">
                         <a:avLst/>
@@ -4980,31 +6370,12 @@
           </a:graphicData>
         </a:graphic>
       </p:graphicFrame>
-      <p:sp>
-        <p:nvSpPr>
-          <p:cNvPr id="5" name="Номер слайда 4"/>
-          <p:cNvSpPr>
-            <a:spLocks noGrp="1"/>
-          </p:cNvSpPr>
-          <p:nvPr>
-            <p:ph type="sldNum" sz="quarter" idx="12"/>
-          </p:nvPr>
-        </p:nvSpPr>
-        <p:spPr/>
-        <p:txBody>
-          <a:bodyPr/>
-          <a:lstStyle/>
-          <a:p>
-            <a:fld id="{725C68B6-61C2-468F-89AB-4B9F7531AA68}" type="slidenum">
-              <a:rPr lang="ru-RU" smtClean="0"/>
-              <a:pPr/>
-              <a:t>4</a:t>
-            </a:fld>
-            <a:endParaRPr lang="ru-RU"/>
-          </a:p>
-        </p:txBody>
-      </p:sp>
     </p:spTree>
+    <p:extLst>
+      <p:ext uri="{BB962C8B-B14F-4D97-AF65-F5344CB8AC3E}">
+        <p14:creationId xmlns:p14="http://schemas.microsoft.com/office/powerpoint/2010/main" val="50830910"/>
+      </p:ext>
+    </p:extLst>
   </p:cSld>
   <p:clrMapOvr>
     <a:masterClrMapping/>
@@ -5012,240 +6383,7 @@
 </p:sld>
 </file>
 
-<file path=ppt/slides/slide5.xml><?xml version="1.0" encoding="utf-8"?>
-<p:sld xmlns:a="http://schemas.openxmlformats.org/drawingml/2006/main" xmlns:r="http://schemas.openxmlformats.org/officeDocument/2006/relationships" xmlns:p="http://schemas.openxmlformats.org/presentationml/2006/main">
-  <p:cSld>
-    <p:spTree>
-      <p:nvGrpSpPr>
-        <p:cNvPr id="1" name=""/>
-        <p:cNvGrpSpPr/>
-        <p:nvPr/>
-      </p:nvGrpSpPr>
-      <p:grpSpPr>
-        <a:xfrm>
-          <a:off x="0" y="0"/>
-          <a:ext cx="0" cy="0"/>
-          <a:chOff x="0" y="0"/>
-          <a:chExt cx="0" cy="0"/>
-        </a:xfrm>
-      </p:grpSpPr>
-      <p:sp>
-        <p:nvSpPr>
-          <p:cNvPr id="2" name="Заголовок 1"/>
-          <p:cNvSpPr>
-            <a:spLocks noGrp="1"/>
-          </p:cNvSpPr>
-          <p:nvPr>
-            <p:ph type="title"/>
-          </p:nvPr>
-        </p:nvSpPr>
-        <p:spPr/>
-        <p:txBody>
-          <a:bodyPr>
-            <a:normAutofit fontScale="90000"/>
-          </a:bodyPr>
-          <a:lstStyle/>
-          <a:p>
-            <a:r>
-              <a:rPr lang="ru-RU" dirty="0" smtClean="0"/>
-              <a:t>Взаимодействие подсистем</a:t>
-            </a:r>
-            <a:br>
-              <a:rPr lang="ru-RU" dirty="0" smtClean="0"/>
-            </a:br>
-            <a:r>
-              <a:rPr lang="ru-RU" dirty="0" smtClean="0"/>
-              <a:t>(заказ такси)</a:t>
-            </a:r>
-            <a:endParaRPr lang="ru-RU" dirty="0"/>
-          </a:p>
-        </p:txBody>
-      </p:sp>
-      <p:sp>
-        <p:nvSpPr>
-          <p:cNvPr id="3074" name="Rectangle 2"/>
-          <p:cNvSpPr>
-            <a:spLocks noChangeArrowheads="1"/>
-          </p:cNvSpPr>
-          <p:nvPr/>
-        </p:nvSpPr>
-        <p:spPr bwMode="auto">
-          <a:xfrm>
-            <a:off x="0" y="0"/>
-            <a:ext cx="9144000" cy="0"/>
-          </a:xfrm>
-          <a:prstGeom prst="rect">
-            <a:avLst/>
-          </a:prstGeom>
-          <a:noFill/>
-          <a:ln w="9525">
-            <a:noFill/>
-            <a:miter lim="800000"/>
-            <a:headEnd/>
-            <a:tailEnd/>
-          </a:ln>
-          <a:effectLst/>
-        </p:spPr>
-        <p:txBody>
-          <a:bodyPr vert="horz" wrap="none" lIns="91440" tIns="45720" rIns="91440" bIns="45720" numCol="1" anchor="ctr" anchorCtr="0" compatLnSpc="1">
-            <a:prstTxWarp prst="textNoShape">
-              <a:avLst/>
-            </a:prstTxWarp>
-            <a:spAutoFit/>
-          </a:bodyPr>
-          <a:lstStyle/>
-          <a:p>
-            <a:endParaRPr lang="ru-RU"/>
-          </a:p>
-        </p:txBody>
-      </p:sp>
-      <p:sp>
-        <p:nvSpPr>
-          <p:cNvPr id="3075" name="Rectangle 3"/>
-          <p:cNvSpPr>
-            <a:spLocks noChangeArrowheads="1"/>
-          </p:cNvSpPr>
-          <p:nvPr/>
-        </p:nvSpPr>
-        <p:spPr bwMode="auto">
-          <a:xfrm>
-            <a:off x="0" y="0"/>
-            <a:ext cx="9144000" cy="0"/>
-          </a:xfrm>
-          <a:prstGeom prst="rect">
-            <a:avLst/>
-          </a:prstGeom>
-          <a:noFill/>
-          <a:ln w="9525">
-            <a:noFill/>
-            <a:miter lim="800000"/>
-            <a:headEnd/>
-            <a:tailEnd/>
-          </a:ln>
-          <a:effectLst/>
-        </p:spPr>
-        <p:txBody>
-          <a:bodyPr vert="horz" wrap="none" lIns="91440" tIns="45720" rIns="91440" bIns="45720" numCol="1" anchor="ctr" anchorCtr="0" compatLnSpc="1">
-            <a:prstTxWarp prst="textNoShape">
-              <a:avLst/>
-            </a:prstTxWarp>
-            <a:spAutoFit/>
-          </a:bodyPr>
-          <a:lstStyle/>
-          <a:p>
-            <a:endParaRPr lang="ru-RU"/>
-          </a:p>
-        </p:txBody>
-      </p:sp>
-      <p:graphicFrame>
-        <p:nvGraphicFramePr>
-          <p:cNvPr id="4" name="Объект 3"/>
-          <p:cNvGraphicFramePr>
-            <a:graphicFrameLocks noChangeAspect="1"/>
-          </p:cNvGraphicFramePr>
-          <p:nvPr>
-            <p:extLst>
-              <p:ext uri="{D42A27DB-BD31-4B8C-83A1-F6EECF244321}">
-                <p14:modId xmlns:p14="http://schemas.microsoft.com/office/powerpoint/2010/main" val="2834957938"/>
-              </p:ext>
-            </p:extLst>
-          </p:nvPr>
-        </p:nvGraphicFramePr>
-        <p:xfrm>
-          <a:off x="1763688" y="404664"/>
-          <a:ext cx="5926138" cy="6021388"/>
-        </p:xfrm>
-        <a:graphic>
-          <a:graphicData uri="http://schemas.openxmlformats.org/presentationml/2006/ole">
-            <mc:AlternateContent xmlns:mc="http://schemas.openxmlformats.org/markup-compatibility/2006">
-              <mc:Choice xmlns:v="urn:schemas-microsoft-com:vml" Requires="v">
-                <p:oleObj spid="_x0000_s3098" name="Visio" r:id="rId3" imgW="5920883" imgH="6019519" progId="Visio.Drawing.11">
-                  <p:embed/>
-                </p:oleObj>
-              </mc:Choice>
-              <mc:Fallback>
-                <p:oleObj name="Visio" r:id="rId3" imgW="5920883" imgH="6019519" progId="Visio.Drawing.11">
-                  <p:embed/>
-                  <p:pic>
-                    <p:nvPicPr>
-                      <p:cNvPr id="0" name="Object 9"/>
-                      <p:cNvPicPr>
-                        <a:picLocks noChangeAspect="1" noChangeArrowheads="1"/>
-                      </p:cNvPicPr>
-                      <p:nvPr/>
-                    </p:nvPicPr>
-                    <p:blipFill>
-                      <a:blip r:embed="rId4">
-                        <a:extLst>
-                          <a:ext uri="{28A0092B-C50C-407E-A947-70E740481C1C}">
-                            <a14:useLocalDpi xmlns:a14="http://schemas.microsoft.com/office/drawing/2010/main" val="0"/>
-                          </a:ext>
-                        </a:extLst>
-                      </a:blip>
-                      <a:srcRect/>
-                      <a:stretch>
-                        <a:fillRect/>
-                      </a:stretch>
-                    </p:blipFill>
-                    <p:spPr bwMode="auto">
-                      <a:xfrm>
-                        <a:off x="1763688" y="404664"/>
-                        <a:ext cx="5926138" cy="6021388"/>
-                      </a:xfrm>
-                      <a:prstGeom prst="rect">
-                        <a:avLst/>
-                      </a:prstGeom>
-                      <a:noFill/>
-                      <a:extLst>
-                        <a:ext uri="{909E8E84-426E-40DD-AFC4-6F175D3DCCD1}">
-                          <a14:hiddenFill xmlns:a14="http://schemas.microsoft.com/office/drawing/2010/main">
-                            <a:solidFill>
-                              <a:srgbClr val="FFFFFF"/>
-                            </a:solidFill>
-                          </a14:hiddenFill>
-                        </a:ext>
-                      </a:extLst>
-                    </p:spPr>
-                  </p:pic>
-                </p:oleObj>
-              </mc:Fallback>
-            </mc:AlternateContent>
-          </a:graphicData>
-        </a:graphic>
-      </p:graphicFrame>
-      <p:sp>
-        <p:nvSpPr>
-          <p:cNvPr id="5" name="Номер слайда 4"/>
-          <p:cNvSpPr>
-            <a:spLocks noGrp="1"/>
-          </p:cNvSpPr>
-          <p:nvPr>
-            <p:ph type="sldNum" sz="quarter" idx="12"/>
-          </p:nvPr>
-        </p:nvSpPr>
-        <p:spPr/>
-        <p:txBody>
-          <a:bodyPr/>
-          <a:lstStyle/>
-          <a:p>
-            <a:fld id="{725C68B6-61C2-468F-89AB-4B9F7531AA68}" type="slidenum">
-              <a:rPr lang="ru-RU" smtClean="0"/>
-              <a:pPr/>
-              <a:t>5</a:t>
-            </a:fld>
-            <a:endParaRPr lang="ru-RU"/>
-          </a:p>
-        </p:txBody>
-      </p:sp>
-    </p:spTree>
-  </p:cSld>
-  <p:clrMapOvr>
-    <a:masterClrMapping/>
-  </p:clrMapOvr>
-</p:sld>
-</file>
-
-<file path=ppt/slides/slide6.xml><?xml version="1.0" encoding="utf-8"?>
+<file path=ppt/slides/slide9.xml><?xml version="1.0" encoding="utf-8"?>
 <p:sld xmlns:a="http://schemas.openxmlformats.org/drawingml/2006/main" xmlns:r="http://schemas.openxmlformats.org/officeDocument/2006/relationships" xmlns:p="http://schemas.openxmlformats.org/presentationml/2006/main">
   <p:cSld>
     <p:spTree>
@@ -5284,7 +6422,7 @@
           <a:graphicData uri="http://schemas.openxmlformats.org/presentationml/2006/ole">
             <mc:AlternateContent xmlns:mc="http://schemas.openxmlformats.org/markup-compatibility/2006">
               <mc:Choice xmlns:v="urn:schemas-microsoft-com:vml" Requires="v">
-                <p:oleObj spid="_x0000_s21522" name="Visio" r:id="rId3" imgW="5887680" imgH="5254797" progId="Visio.Drawing.11">
+                <p:oleObj spid="_x0000_s21532" name="Visio" r:id="rId3" imgW="5887680" imgH="5254797" progId="Visio.Drawing.11">
                   <p:embed/>
                 </p:oleObj>
               </mc:Choice>
@@ -5357,11 +6495,7 @@
           <a:p>
             <a:r>
               <a:rPr lang="ru-RU" dirty="0" smtClean="0"/>
-              <a:t>Состояния </a:t>
-            </a:r>
-            <a:r>
-              <a:rPr lang="ru-RU" dirty="0" smtClean="0"/>
-              <a:t>заявки</a:t>
+              <a:t>Состояния заявки</a:t>
             </a:r>
             <a:br>
               <a:rPr lang="ru-RU" dirty="0" smtClean="0"/>
@@ -5440,565 +6574,6 @@
       <p:sp>
         <p:nvSpPr>
           <p:cNvPr id="9" name="Номер слайда 8"/>
-          <p:cNvSpPr>
-            <a:spLocks noGrp="1"/>
-          </p:cNvSpPr>
-          <p:nvPr>
-            <p:ph type="sldNum" sz="quarter" idx="12"/>
-          </p:nvPr>
-        </p:nvSpPr>
-        <p:spPr/>
-        <p:txBody>
-          <a:bodyPr/>
-          <a:lstStyle/>
-          <a:p>
-            <a:fld id="{725C68B6-61C2-468F-89AB-4B9F7531AA68}" type="slidenum">
-              <a:rPr lang="ru-RU" smtClean="0"/>
-              <a:pPr/>
-              <a:t>6</a:t>
-            </a:fld>
-            <a:endParaRPr lang="ru-RU"/>
-          </a:p>
-        </p:txBody>
-      </p:sp>
-    </p:spTree>
-  </p:cSld>
-  <p:clrMapOvr>
-    <a:masterClrMapping/>
-  </p:clrMapOvr>
-</p:sld>
-</file>
-
-<file path=ppt/slides/slide7.xml><?xml version="1.0" encoding="utf-8"?>
-<p:sld xmlns:a="http://schemas.openxmlformats.org/drawingml/2006/main" xmlns:r="http://schemas.openxmlformats.org/officeDocument/2006/relationships" xmlns:p="http://schemas.openxmlformats.org/presentationml/2006/main">
-  <p:cSld>
-    <p:spTree>
-      <p:nvGrpSpPr>
-        <p:cNvPr id="1" name=""/>
-        <p:cNvGrpSpPr/>
-        <p:nvPr/>
-      </p:nvGrpSpPr>
-      <p:grpSpPr>
-        <a:xfrm>
-          <a:off x="0" y="0"/>
-          <a:ext cx="0" cy="0"/>
-          <a:chOff x="0" y="0"/>
-          <a:chExt cx="0" cy="0"/>
-        </a:xfrm>
-      </p:grpSpPr>
-      <p:sp>
-        <p:nvSpPr>
-          <p:cNvPr id="4" name="Заголовок 1"/>
-          <p:cNvSpPr>
-            <a:spLocks noGrp="1"/>
-          </p:cNvSpPr>
-          <p:nvPr>
-            <p:ph type="title"/>
-          </p:nvPr>
-        </p:nvSpPr>
-        <p:spPr>
-          <a:xfrm>
-            <a:off x="457200" y="274638"/>
-            <a:ext cx="8229600" cy="1143000"/>
-          </a:xfrm>
-        </p:spPr>
-        <p:txBody>
-          <a:bodyPr>
-            <a:normAutofit fontScale="90000"/>
-          </a:bodyPr>
-          <a:lstStyle/>
-          <a:p>
-            <a:r>
-              <a:rPr lang="ru-RU" dirty="0" smtClean="0"/>
-              <a:t>Состояния </a:t>
-            </a:r>
-            <a:r>
-              <a:rPr lang="ru-RU" dirty="0" smtClean="0"/>
-              <a:t>заявки</a:t>
-            </a:r>
-            <a:br>
-              <a:rPr lang="ru-RU" dirty="0" smtClean="0"/>
-            </a:br>
-            <a:r>
-              <a:rPr lang="ru-RU" dirty="0" smtClean="0"/>
-              <a:t>(АИС Таксопарка)</a:t>
-            </a:r>
-            <a:endParaRPr lang="ru-RU" dirty="0"/>
-          </a:p>
-        </p:txBody>
-      </p:sp>
-      <p:sp>
-        <p:nvSpPr>
-          <p:cNvPr id="5" name="Rectangle 2"/>
-          <p:cNvSpPr>
-            <a:spLocks noChangeArrowheads="1"/>
-          </p:cNvSpPr>
-          <p:nvPr/>
-        </p:nvSpPr>
-        <p:spPr bwMode="auto">
-          <a:xfrm>
-            <a:off x="0" y="0"/>
-            <a:ext cx="9144000" cy="0"/>
-          </a:xfrm>
-          <a:prstGeom prst="rect">
-            <a:avLst/>
-          </a:prstGeom>
-          <a:noFill/>
-          <a:ln>
-            <a:noFill/>
-          </a:ln>
-          <a:effectLst/>
-          <a:extLst>
-            <a:ext uri="{909E8E84-426E-40DD-AFC4-6F175D3DCCD1}">
-              <a14:hiddenFill xmlns:a14="http://schemas.microsoft.com/office/drawing/2010/main">
-                <a:solidFill>
-                  <a:schemeClr val="accent1"/>
-                </a:solidFill>
-              </a14:hiddenFill>
-            </a:ext>
-            <a:ext uri="{91240B29-F687-4F45-9708-019B960494DF}">
-              <a14:hiddenLine xmlns:a14="http://schemas.microsoft.com/office/drawing/2010/main" w="9525">
-                <a:solidFill>
-                  <a:schemeClr val="tx1"/>
-                </a:solidFill>
-                <a:miter lim="800000"/>
-                <a:headEnd/>
-                <a:tailEnd/>
-              </a14:hiddenLine>
-            </a:ext>
-            <a:ext uri="{AF507438-7753-43E0-B8FC-AC1667EBCBE1}">
-              <a14:hiddenEffects xmlns:a14="http://schemas.microsoft.com/office/drawing/2010/main">
-                <a:effectLst>
-                  <a:outerShdw dist="35921" dir="2700000" algn="ctr" rotWithShape="0">
-                    <a:schemeClr val="bg2"/>
-                  </a:outerShdw>
-                </a:effectLst>
-              </a14:hiddenEffects>
-            </a:ext>
-          </a:extLst>
-        </p:spPr>
-        <p:txBody>
-          <a:bodyPr vert="horz" wrap="none" lIns="91440" tIns="45720" rIns="91440" bIns="45720" numCol="1" anchor="ctr" anchorCtr="0" compatLnSpc="1">
-            <a:prstTxWarp prst="textNoShape">
-              <a:avLst/>
-            </a:prstTxWarp>
-            <a:spAutoFit/>
-          </a:bodyPr>
-          <a:lstStyle/>
-          <a:p>
-            <a:endParaRPr lang="ru-RU"/>
-          </a:p>
-        </p:txBody>
-      </p:sp>
-      <p:graphicFrame>
-        <p:nvGraphicFramePr>
-          <p:cNvPr id="6" name="Объект 5"/>
-          <p:cNvGraphicFramePr>
-            <a:graphicFrameLocks noChangeAspect="1"/>
-          </p:cNvGraphicFramePr>
-          <p:nvPr>
-            <p:extLst>
-              <p:ext uri="{D42A27DB-BD31-4B8C-83A1-F6EECF244321}">
-                <p14:modId xmlns:p14="http://schemas.microsoft.com/office/powerpoint/2010/main" val="4212157884"/>
-              </p:ext>
-            </p:extLst>
-          </p:nvPr>
-        </p:nvGraphicFramePr>
-        <p:xfrm>
-          <a:off x="1595437" y="1412776"/>
-          <a:ext cx="6034215" cy="5358383"/>
-        </p:xfrm>
-        <a:graphic>
-          <a:graphicData uri="http://schemas.openxmlformats.org/presentationml/2006/ole">
-            <mc:AlternateContent xmlns:mc="http://schemas.openxmlformats.org/markup-compatibility/2006">
-              <mc:Choice xmlns:v="urn:schemas-microsoft-com:vml" Requires="v">
-                <p:oleObj spid="_x0000_s22545" name="Visio" r:id="rId3" imgW="5953276" imgH="5285569" progId="Visio.Drawing.11">
-                  <p:embed/>
-                </p:oleObj>
-              </mc:Choice>
-              <mc:Fallback>
-                <p:oleObj name="Visio" r:id="rId3" imgW="5953276" imgH="5285569" progId="Visio.Drawing.11">
-                  <p:embed/>
-                  <p:pic>
-                    <p:nvPicPr>
-                      <p:cNvPr id="0" name="Object 1"/>
-                      <p:cNvPicPr>
-                        <a:picLocks noChangeAspect="1" noChangeArrowheads="1"/>
-                      </p:cNvPicPr>
-                      <p:nvPr/>
-                    </p:nvPicPr>
-                    <p:blipFill>
-                      <a:blip r:embed="rId4">
-                        <a:extLst>
-                          <a:ext uri="{28A0092B-C50C-407E-A947-70E740481C1C}">
-                            <a14:useLocalDpi xmlns:a14="http://schemas.microsoft.com/office/drawing/2010/main" val="0"/>
-                          </a:ext>
-                        </a:extLst>
-                      </a:blip>
-                      <a:srcRect/>
-                      <a:stretch>
-                        <a:fillRect/>
-                      </a:stretch>
-                    </p:blipFill>
-                    <p:spPr bwMode="auto">
-                      <a:xfrm>
-                        <a:off x="1595437" y="1412776"/>
-                        <a:ext cx="6034215" cy="5358383"/>
-                      </a:xfrm>
-                      <a:prstGeom prst="rect">
-                        <a:avLst/>
-                      </a:prstGeom>
-                      <a:noFill/>
-                    </p:spPr>
-                  </p:pic>
-                </p:oleObj>
-              </mc:Fallback>
-            </mc:AlternateContent>
-          </a:graphicData>
-        </a:graphic>
-      </p:graphicFrame>
-      <p:sp>
-        <p:nvSpPr>
-          <p:cNvPr id="7" name="Номер слайда 6"/>
-          <p:cNvSpPr>
-            <a:spLocks noGrp="1"/>
-          </p:cNvSpPr>
-          <p:nvPr>
-            <p:ph type="sldNum" sz="quarter" idx="12"/>
-          </p:nvPr>
-        </p:nvSpPr>
-        <p:spPr/>
-        <p:txBody>
-          <a:bodyPr/>
-          <a:lstStyle/>
-          <a:p>
-            <a:fld id="{725C68B6-61C2-468F-89AB-4B9F7531AA68}" type="slidenum">
-              <a:rPr lang="ru-RU" smtClean="0"/>
-              <a:pPr/>
-              <a:t>7</a:t>
-            </a:fld>
-            <a:endParaRPr lang="ru-RU"/>
-          </a:p>
-        </p:txBody>
-      </p:sp>
-    </p:spTree>
-    <p:extLst>
-      <p:ext uri="{BB962C8B-B14F-4D97-AF65-F5344CB8AC3E}">
-        <p14:creationId xmlns:p14="http://schemas.microsoft.com/office/powerpoint/2010/main" val="1506922384"/>
-      </p:ext>
-    </p:extLst>
-  </p:cSld>
-  <p:clrMapOvr>
-    <a:masterClrMapping/>
-  </p:clrMapOvr>
-</p:sld>
-</file>
-
-<file path=ppt/slides/slide8.xml><?xml version="1.0" encoding="utf-8"?>
-<p:sld xmlns:a="http://schemas.openxmlformats.org/drawingml/2006/main" xmlns:r="http://schemas.openxmlformats.org/officeDocument/2006/relationships" xmlns:p="http://schemas.openxmlformats.org/presentationml/2006/main">
-  <p:cSld>
-    <p:spTree>
-      <p:nvGrpSpPr>
-        <p:cNvPr id="1" name=""/>
-        <p:cNvGrpSpPr/>
-        <p:nvPr/>
-      </p:nvGrpSpPr>
-      <p:grpSpPr>
-        <a:xfrm>
-          <a:off x="0" y="0"/>
-          <a:ext cx="0" cy="0"/>
-          <a:chOff x="0" y="0"/>
-          <a:chExt cx="0" cy="0"/>
-        </a:xfrm>
-      </p:grpSpPr>
-      <p:sp>
-        <p:nvSpPr>
-          <p:cNvPr id="4" name="Заголовок 1"/>
-          <p:cNvSpPr>
-            <a:spLocks noGrp="1"/>
-          </p:cNvSpPr>
-          <p:nvPr>
-            <p:ph type="title"/>
-          </p:nvPr>
-        </p:nvSpPr>
-        <p:spPr/>
-        <p:txBody>
-          <a:bodyPr>
-            <a:normAutofit fontScale="90000"/>
-          </a:bodyPr>
-          <a:lstStyle/>
-          <a:p>
-            <a:r>
-              <a:rPr lang="ru-RU" dirty="0" smtClean="0"/>
-              <a:t>Состояния </a:t>
-            </a:r>
-            <a:r>
-              <a:rPr lang="ru-RU" dirty="0" smtClean="0"/>
-              <a:t>заявки</a:t>
-            </a:r>
-            <a:br>
-              <a:rPr lang="ru-RU" dirty="0" smtClean="0"/>
-            </a:br>
-            <a:r>
-              <a:rPr lang="ru-RU" dirty="0" smtClean="0"/>
-              <a:t>(АИС Такси)</a:t>
-            </a:r>
-            <a:endParaRPr lang="ru-RU" dirty="0"/>
-          </a:p>
-        </p:txBody>
-      </p:sp>
-      <p:sp>
-        <p:nvSpPr>
-          <p:cNvPr id="5" name="Rectangle 2"/>
-          <p:cNvSpPr>
-            <a:spLocks noChangeArrowheads="1"/>
-          </p:cNvSpPr>
-          <p:nvPr/>
-        </p:nvSpPr>
-        <p:spPr bwMode="auto">
-          <a:xfrm>
-            <a:off x="0" y="0"/>
-            <a:ext cx="9144000" cy="0"/>
-          </a:xfrm>
-          <a:prstGeom prst="rect">
-            <a:avLst/>
-          </a:prstGeom>
-          <a:noFill/>
-          <a:ln>
-            <a:noFill/>
-          </a:ln>
-          <a:effectLst/>
-          <a:extLst>
-            <a:ext uri="{909E8E84-426E-40DD-AFC4-6F175D3DCCD1}">
-              <a14:hiddenFill xmlns:a14="http://schemas.microsoft.com/office/drawing/2010/main">
-                <a:solidFill>
-                  <a:schemeClr val="accent1"/>
-                </a:solidFill>
-              </a14:hiddenFill>
-            </a:ext>
-            <a:ext uri="{91240B29-F687-4F45-9708-019B960494DF}">
-              <a14:hiddenLine xmlns:a14="http://schemas.microsoft.com/office/drawing/2010/main" w="9525">
-                <a:solidFill>
-                  <a:schemeClr val="tx1"/>
-                </a:solidFill>
-                <a:miter lim="800000"/>
-                <a:headEnd/>
-                <a:tailEnd/>
-              </a14:hiddenLine>
-            </a:ext>
-            <a:ext uri="{AF507438-7753-43E0-B8FC-AC1667EBCBE1}">
-              <a14:hiddenEffects xmlns:a14="http://schemas.microsoft.com/office/drawing/2010/main">
-                <a:effectLst>
-                  <a:outerShdw dist="35921" dir="2700000" algn="ctr" rotWithShape="0">
-                    <a:schemeClr val="bg2"/>
-                  </a:outerShdw>
-                </a:effectLst>
-              </a14:hiddenEffects>
-            </a:ext>
-          </a:extLst>
-        </p:spPr>
-        <p:txBody>
-          <a:bodyPr vert="horz" wrap="none" lIns="91440" tIns="45720" rIns="91440" bIns="45720" numCol="1" anchor="ctr" anchorCtr="0" compatLnSpc="1">
-            <a:prstTxWarp prst="textNoShape">
-              <a:avLst/>
-            </a:prstTxWarp>
-            <a:spAutoFit/>
-          </a:bodyPr>
-          <a:lstStyle/>
-          <a:p>
-            <a:endParaRPr lang="ru-RU"/>
-          </a:p>
-        </p:txBody>
-      </p:sp>
-      <p:graphicFrame>
-        <p:nvGraphicFramePr>
-          <p:cNvPr id="6" name="Объект 5"/>
-          <p:cNvGraphicFramePr>
-            <a:graphicFrameLocks noChangeAspect="1"/>
-          </p:cNvGraphicFramePr>
-          <p:nvPr>
-            <p:extLst>
-              <p:ext uri="{D42A27DB-BD31-4B8C-83A1-F6EECF244321}">
-                <p14:modId xmlns:p14="http://schemas.microsoft.com/office/powerpoint/2010/main" val="2111560644"/>
-              </p:ext>
-            </p:extLst>
-          </p:nvPr>
-        </p:nvGraphicFramePr>
-        <p:xfrm>
-          <a:off x="2195735" y="1700808"/>
-          <a:ext cx="4884021" cy="5040560"/>
-        </p:xfrm>
-        <a:graphic>
-          <a:graphicData uri="http://schemas.openxmlformats.org/presentationml/2006/ole">
-            <mc:AlternateContent xmlns:mc="http://schemas.openxmlformats.org/markup-compatibility/2006">
-              <mc:Choice xmlns:v="urn:schemas-microsoft-com:vml" Requires="v">
-                <p:oleObj spid="_x0000_s23568" name="Visio" r:id="rId3" imgW="4454564" imgH="4597779" progId="Visio.Drawing.11">
-                  <p:embed/>
-                </p:oleObj>
-              </mc:Choice>
-              <mc:Fallback>
-                <p:oleObj name="Visio" r:id="rId3" imgW="4454564" imgH="4597779" progId="Visio.Drawing.11">
-                  <p:embed/>
-                  <p:pic>
-                    <p:nvPicPr>
-                      <p:cNvPr id="0" name="Object 1"/>
-                      <p:cNvPicPr>
-                        <a:picLocks noChangeAspect="1" noChangeArrowheads="1"/>
-                      </p:cNvPicPr>
-                      <p:nvPr/>
-                    </p:nvPicPr>
-                    <p:blipFill>
-                      <a:blip r:embed="rId4">
-                        <a:extLst>
-                          <a:ext uri="{28A0092B-C50C-407E-A947-70E740481C1C}">
-                            <a14:useLocalDpi xmlns:a14="http://schemas.microsoft.com/office/drawing/2010/main" val="0"/>
-                          </a:ext>
-                        </a:extLst>
-                      </a:blip>
-                      <a:srcRect/>
-                      <a:stretch>
-                        <a:fillRect/>
-                      </a:stretch>
-                    </p:blipFill>
-                    <p:spPr bwMode="auto">
-                      <a:xfrm>
-                        <a:off x="2195735" y="1700808"/>
-                        <a:ext cx="4884021" cy="5040560"/>
-                      </a:xfrm>
-                      <a:prstGeom prst="rect">
-                        <a:avLst/>
-                      </a:prstGeom>
-                      <a:noFill/>
-                    </p:spPr>
-                  </p:pic>
-                </p:oleObj>
-              </mc:Fallback>
-            </mc:AlternateContent>
-          </a:graphicData>
-        </a:graphic>
-      </p:graphicFrame>
-      <p:sp>
-        <p:nvSpPr>
-          <p:cNvPr id="7" name="Номер слайда 6"/>
-          <p:cNvSpPr>
-            <a:spLocks noGrp="1"/>
-          </p:cNvSpPr>
-          <p:nvPr>
-            <p:ph type="sldNum" sz="quarter" idx="12"/>
-          </p:nvPr>
-        </p:nvSpPr>
-        <p:spPr/>
-        <p:txBody>
-          <a:bodyPr/>
-          <a:lstStyle/>
-          <a:p>
-            <a:fld id="{725C68B6-61C2-468F-89AB-4B9F7531AA68}" type="slidenum">
-              <a:rPr lang="ru-RU" smtClean="0"/>
-              <a:pPr/>
-              <a:t>8</a:t>
-            </a:fld>
-            <a:endParaRPr lang="ru-RU"/>
-          </a:p>
-        </p:txBody>
-      </p:sp>
-    </p:spTree>
-    <p:extLst>
-      <p:ext uri="{BB962C8B-B14F-4D97-AF65-F5344CB8AC3E}">
-        <p14:creationId xmlns:p14="http://schemas.microsoft.com/office/powerpoint/2010/main" val="2112661453"/>
-      </p:ext>
-    </p:extLst>
-  </p:cSld>
-  <p:clrMapOvr>
-    <a:masterClrMapping/>
-  </p:clrMapOvr>
-</p:sld>
-</file>
-
-<file path=ppt/slides/slide9.xml><?xml version="1.0" encoding="utf-8"?>
-<p:sld xmlns:a="http://schemas.openxmlformats.org/drawingml/2006/main" xmlns:r="http://schemas.openxmlformats.org/officeDocument/2006/relationships" xmlns:p="http://schemas.openxmlformats.org/presentationml/2006/main">
-  <p:cSld>
-    <p:spTree>
-      <p:nvGrpSpPr>
-        <p:cNvPr id="1" name=""/>
-        <p:cNvGrpSpPr/>
-        <p:nvPr/>
-      </p:nvGrpSpPr>
-      <p:grpSpPr>
-        <a:xfrm>
-          <a:off x="0" y="0"/>
-          <a:ext cx="0" cy="0"/>
-          <a:chOff x="0" y="0"/>
-          <a:chExt cx="0" cy="0"/>
-        </a:xfrm>
-      </p:grpSpPr>
-      <p:sp>
-        <p:nvSpPr>
-          <p:cNvPr id="2" name="Заголовок 1"/>
-          <p:cNvSpPr>
-            <a:spLocks noGrp="1"/>
-          </p:cNvSpPr>
-          <p:nvPr>
-            <p:ph type="title"/>
-          </p:nvPr>
-        </p:nvSpPr>
-        <p:spPr/>
-        <p:txBody>
-          <a:bodyPr/>
-          <a:lstStyle/>
-          <a:p>
-            <a:r>
-              <a:rPr lang="ru-RU" dirty="0" smtClean="0"/>
-              <a:t>Кэширование</a:t>
-            </a:r>
-            <a:endParaRPr lang="ru-RU" dirty="0"/>
-          </a:p>
-        </p:txBody>
-      </p:sp>
-      <p:sp>
-        <p:nvSpPr>
-          <p:cNvPr id="3" name="Содержимое 2"/>
-          <p:cNvSpPr>
-            <a:spLocks noGrp="1"/>
-          </p:cNvSpPr>
-          <p:nvPr>
-            <p:ph idx="1"/>
-          </p:nvPr>
-        </p:nvSpPr>
-        <p:spPr/>
-        <p:txBody>
-          <a:bodyPr>
-            <a:normAutofit/>
-          </a:bodyPr>
-          <a:lstStyle/>
-          <a:p>
-            <a:pPr>
-              <a:buNone/>
-            </a:pPr>
-            <a:r>
-              <a:rPr lang="ru-RU" sz="1900" dirty="0" smtClean="0"/>
-              <a:t>Кэширование реализовано в Диспетчерской АИС:</a:t>
-            </a:r>
-            <a:endParaRPr lang="ru-RU" sz="1900" dirty="0" smtClean="0"/>
-          </a:p>
-          <a:p>
-            <a:r>
-              <a:rPr lang="ru-RU" sz="1900" dirty="0" smtClean="0"/>
-              <a:t>Сохранение статуса заказа клиента через заданные промежутки времени;</a:t>
-            </a:r>
-            <a:endParaRPr lang="ru-RU" sz="1900" dirty="0" smtClean="0"/>
-          </a:p>
-          <a:p>
-            <a:r>
-              <a:rPr lang="ru-RU" sz="1900" dirty="0" smtClean="0"/>
-              <a:t>Получение статуса текущего заказа при запросе от клиента из кэша.</a:t>
-            </a:r>
-            <a:endParaRPr lang="ru-RU" sz="1900" dirty="0" smtClean="0"/>
-          </a:p>
-        </p:txBody>
-      </p:sp>
-      <p:sp>
-        <p:nvSpPr>
-          <p:cNvPr id="4" name="Номер слайда 3"/>
           <p:cNvSpPr>
             <a:spLocks noGrp="1"/>
           </p:cNvSpPr>
